--- a/Capstone Presentation.pptx
+++ b/Capstone Presentation.pptx
@@ -11,9 +11,6 @@
     <p:sldId id="260" r:id="rId5"/>
     <p:sldId id="261" r:id="rId6"/>
     <p:sldId id="262" r:id="rId7"/>
-    <p:sldId id="263" r:id="rId8"/>
-    <p:sldId id="266" r:id="rId9"/>
-    <p:sldId id="267" r:id="rId10"/>
   </p:sldIdLst>
   <p:sldSz cx="12192000" cy="6858000"/>
   <p:notesSz cx="6858000" cy="9144000"/>
@@ -112,6 +109,11 @@
       </a:defRPr>
     </a:lvl9pPr>
   </p:defaultTextStyle>
+  <p:extLst>
+    <p:ext uri="{EFAFB233-063F-42B5-8137-9DF3F51BA10A}">
+      <p15:sldGuideLst xmlns:p15="http://schemas.microsoft.com/office/powerpoint/2012/main"/>
+    </p:ext>
+  </p:extLst>
 </p:presentation>
 </file>
 
@@ -761,7 +763,7 @@
           <a:p>
             <a:fld id="{D6D0F569-AC90-44EB-9EF4-4E5C2F5D823C}" type="datetime1">
               <a:rPr lang="en-US" smtClean="0"/>
-              <a:t>12/1/2023</a:t>
+              <a:t>12/4/2023</a:t>
             </a:fld>
             <a:endParaRPr lang="en-US" dirty="0"/>
           </a:p>
@@ -1886,7 +1888,7 @@
             <a:fld id="{5ECD8B30-1B71-45A1-8314-D59C86F581E1}" type="datetime1">
               <a:rPr lang="en-US" smtClean="0"/>
               <a:pPr/>
-              <a:t>12/1/2023</a:t>
+              <a:t>12/4/2023</a:t>
             </a:fld>
             <a:endParaRPr lang="en-US" b="1" dirty="0"/>
           </a:p>
@@ -2904,7 +2906,7 @@
             <a:fld id="{5ECD8B30-1B71-45A1-8314-D59C86F581E1}" type="datetime1">
               <a:rPr lang="en-US" smtClean="0"/>
               <a:pPr/>
-              <a:t>12/1/2023</a:t>
+              <a:t>12/4/2023</a:t>
             </a:fld>
             <a:endParaRPr lang="en-US" b="1" dirty="0"/>
           </a:p>
@@ -4081,7 +4083,7 @@
             <a:fld id="{5ECD8B30-1B71-45A1-8314-D59C86F581E1}" type="datetime1">
               <a:rPr lang="en-US" smtClean="0"/>
               <a:pPr/>
-              <a:t>12/1/2023</a:t>
+              <a:t>12/4/2023</a:t>
             </a:fld>
             <a:endParaRPr lang="en-US" b="1" dirty="0"/>
           </a:p>
@@ -5149,7 +5151,7 @@
             <a:fld id="{5ECD8B30-1B71-45A1-8314-D59C86F581E1}" type="datetime1">
               <a:rPr lang="en-US" smtClean="0"/>
               <a:pPr/>
-              <a:t>12/1/2023</a:t>
+              <a:t>12/4/2023</a:t>
             </a:fld>
             <a:endParaRPr lang="en-US" b="1" dirty="0"/>
           </a:p>
@@ -5802,7 +5804,7 @@
             <a:fld id="{5ECD8B30-1B71-45A1-8314-D59C86F581E1}" type="datetime1">
               <a:rPr lang="en-US" smtClean="0"/>
               <a:pPr/>
-              <a:t>12/1/2023</a:t>
+              <a:t>12/4/2023</a:t>
             </a:fld>
             <a:endParaRPr lang="en-US" b="1" dirty="0"/>
           </a:p>
@@ -6656,7 +6658,7 @@
             <a:fld id="{5ECD8B30-1B71-45A1-8314-D59C86F581E1}" type="datetime1">
               <a:rPr lang="en-US" smtClean="0"/>
               <a:pPr/>
-              <a:t>12/1/2023</a:t>
+              <a:t>12/4/2023</a:t>
             </a:fld>
             <a:endParaRPr lang="en-US" b="1" dirty="0"/>
           </a:p>
@@ -6837,7 +6839,7 @@
           <a:p>
             <a:fld id="{46BA7D41-E8B7-4A0B-B861-3EC4AE88917D}" type="datetime1">
               <a:rPr lang="en-US" smtClean="0"/>
-              <a:t>12/1/2023</a:t>
+              <a:t>12/4/2023</a:t>
             </a:fld>
             <a:endParaRPr lang="en-US" dirty="0"/>
           </a:p>
@@ -7839,7 +7841,7 @@
           <a:p>
             <a:fld id="{A7C34823-0B19-4B4E-A643-7A3B0A3D24D6}" type="datetime1">
               <a:rPr lang="en-US" smtClean="0"/>
-              <a:t>12/1/2023</a:t>
+              <a:t>12/4/2023</a:t>
             </a:fld>
             <a:endParaRPr lang="en-US" dirty="0"/>
           </a:p>
@@ -8049,7 +8051,7 @@
           <a:p>
             <a:fld id="{8C2D79EF-17C8-45D8-9866-DAF5723FC604}" type="datetime1">
               <a:rPr lang="en-US" smtClean="0"/>
-              <a:t>12/1/2023</a:t>
+              <a:t>12/4/2023</a:t>
             </a:fld>
             <a:endParaRPr lang="en-US" dirty="0"/>
           </a:p>
@@ -9115,7 +9117,7 @@
           <a:p>
             <a:fld id="{DFFC2ADC-3680-4013-A757-E4663495DB98}" type="datetime1">
               <a:rPr lang="en-US" smtClean="0"/>
-              <a:t>12/1/2023</a:t>
+              <a:t>12/4/2023</a:t>
             </a:fld>
             <a:endParaRPr lang="en-US" dirty="0"/>
           </a:p>
@@ -9391,7 +9393,7 @@
           <a:p>
             <a:fld id="{4751BA94-5DCA-4F19-960F-0FB2BD5EE85A}" type="datetime1">
               <a:rPr lang="en-US" smtClean="0"/>
-              <a:t>12/1/2023</a:t>
+              <a:t>12/4/2023</a:t>
             </a:fld>
             <a:endParaRPr lang="en-US" dirty="0"/>
           </a:p>
@@ -9777,7 +9779,7 @@
           <a:p>
             <a:fld id="{01BED947-38D9-44AC-8B89-E79758333B77}" type="datetime1">
               <a:rPr lang="en-US" smtClean="0"/>
-              <a:t>12/1/2023</a:t>
+              <a:t>12/4/2023</a:t>
             </a:fld>
             <a:endParaRPr lang="en-US" dirty="0"/>
           </a:p>
@@ -9899,7 +9901,7 @@
           <a:p>
             <a:fld id="{3781E23F-BD3C-4F23-B116-2B758120C8AC}" type="datetime1">
               <a:rPr lang="en-US" smtClean="0"/>
-              <a:t>12/1/2023</a:t>
+              <a:t>12/4/2023</a:t>
             </a:fld>
             <a:endParaRPr lang="en-US" dirty="0"/>
           </a:p>
@@ -9998,7 +10000,7 @@
           <a:p>
             <a:fld id="{473CFAA9-6D59-4D98-869E-ACBDB83B2CA4}" type="datetime1">
               <a:rPr lang="en-US" smtClean="0"/>
-              <a:t>12/1/2023</a:t>
+              <a:t>12/4/2023</a:t>
             </a:fld>
             <a:endParaRPr lang="en-US"/>
           </a:p>
@@ -11111,7 +11113,7 @@
           <a:p>
             <a:fld id="{DC410804-27E3-430A-BB42-B831260DE39A}" type="datetime1">
               <a:rPr lang="en-US" smtClean="0"/>
-              <a:t>12/1/2023</a:t>
+              <a:t>12/4/2023</a:t>
             </a:fld>
             <a:endParaRPr lang="en-US" dirty="0"/>
           </a:p>
@@ -12249,7 +12251,7 @@
             <a:fld id="{5ECD8B30-1B71-45A1-8314-D59C86F581E1}" type="datetime1">
               <a:rPr lang="en-US" smtClean="0"/>
               <a:pPr/>
-              <a:t>12/1/2023</a:t>
+              <a:t>12/4/2023</a:t>
             </a:fld>
             <a:endParaRPr lang="en-US" b="1" dirty="0"/>
           </a:p>
@@ -13284,7 +13286,7 @@
             <a:fld id="{5ECD8B30-1B71-45A1-8314-D59C86F581E1}" type="datetime1">
               <a:rPr lang="en-US" smtClean="0"/>
               <a:pPr/>
-              <a:t>12/1/2023</a:t>
+              <a:t>12/4/2023</a:t>
             </a:fld>
             <a:endParaRPr lang="en-US" b="1" dirty="0"/>
           </a:p>
@@ -17608,7 +17610,7 @@
                   <a:schemeClr val="tx1"/>
                 </a:solidFill>
               </a:rPr>
-              <a:t>Here’s how it works</a:t>
+              <a:t>The following slide will include a demonstration video</a:t>
             </a:r>
             <a:br>
               <a:rPr lang="en-US" sz="5400" dirty="0">
@@ -17630,7 +17632,7 @@
                   <a:schemeClr val="tx1"/>
                 </a:solidFill>
               </a:rPr>
-              <a:t>Please keep in mind this is a proof-of-concept model for prototyping purposes and the parts are much larger than they would be in a completed product</a:t>
+              <a:t>Please keep in mind this is a proof-of-concept model for prototyping purposes and the parts are much larger than they would be in the completed product</a:t>
             </a:r>
           </a:p>
         </p:txBody>
@@ -17792,4336 +17794,6 @@
       <p:bldP spid="2" grpId="0"/>
     </p:bldLst>
   </p:timing>
-</p:sld>
-</file>
-
-<file path=ppt/slides/slide7.xml><?xml version="1.0" encoding="utf-8"?>
-<p:sld xmlns:a="http://schemas.openxmlformats.org/drawingml/2006/main" xmlns:r="http://schemas.openxmlformats.org/officeDocument/2006/relationships" xmlns:p="http://schemas.openxmlformats.org/presentationml/2006/main">
-  <p:cSld>
-    <p:bg>
-      <p:bgPr>
-        <a:solidFill>
-          <a:schemeClr val="bg1"/>
-        </a:solidFill>
-        <a:effectLst/>
-      </p:bgPr>
-    </p:bg>
-    <p:spTree>
-      <p:nvGrpSpPr>
-        <p:cNvPr id="1" name=""/>
-        <p:cNvGrpSpPr/>
-        <p:nvPr/>
-      </p:nvGrpSpPr>
-      <p:grpSpPr>
-        <a:xfrm>
-          <a:off x="0" y="0"/>
-          <a:ext cx="0" cy="0"/>
-          <a:chOff x="0" y="0"/>
-          <a:chExt cx="0" cy="0"/>
-        </a:xfrm>
-      </p:grpSpPr>
-      <p:sp useBgFill="1">
-        <p:nvSpPr>
-          <p:cNvPr id="8" name="Rectangle 7">
-            <a:extLst>
-              <a:ext uri="{FF2B5EF4-FFF2-40B4-BE49-F238E27FC236}">
-                <a16:creationId xmlns:a16="http://schemas.microsoft.com/office/drawing/2014/main" id="{324E43EB-867C-4B35-9A5C-E435157C7297}"/>
-              </a:ext>
-              <a:ext uri="{C183D7F6-B498-43B3-948B-1728B52AA6E4}">
-                <adec:decorative xmlns:adec="http://schemas.microsoft.com/office/drawing/2017/decorative" val="1"/>
-              </a:ext>
-            </a:extLst>
-          </p:cNvPr>
-          <p:cNvSpPr>
-            <a:spLocks noGrp="1" noRot="1" noChangeAspect="1" noMove="1" noResize="1" noEditPoints="1" noAdjustHandles="1" noChangeArrowheads="1" noChangeShapeType="1" noTextEdit="1"/>
-          </p:cNvSpPr>
-          <p:nvPr>
-            <p:extLst>
-              <p:ext uri="{386F3935-93C4-4BCD-93E2-E3B085C9AB24}">
-                <p16:designElem xmlns:p16="http://schemas.microsoft.com/office/powerpoint/2015/main" val="1"/>
-              </p:ext>
-            </p:extLst>
-          </p:nvPr>
-        </p:nvSpPr>
-        <p:spPr>
-          <a:xfrm>
-            <a:off x="0" y="0"/>
-            <a:ext cx="12192000" cy="6858000"/>
-          </a:xfrm>
-          <a:prstGeom prst="rect">
-            <a:avLst/>
-          </a:prstGeom>
-          <a:ln>
-            <a:noFill/>
-          </a:ln>
-        </p:spPr>
-        <p:style>
-          <a:lnRef idx="2">
-            <a:schemeClr val="accent1">
-              <a:shade val="50000"/>
-            </a:schemeClr>
-          </a:lnRef>
-          <a:fillRef idx="1">
-            <a:schemeClr val="accent1"/>
-          </a:fillRef>
-          <a:effectRef idx="0">
-            <a:schemeClr val="accent1"/>
-          </a:effectRef>
-          <a:fontRef idx="minor">
-            <a:schemeClr val="lt1"/>
-          </a:fontRef>
-        </p:style>
-        <p:txBody>
-          <a:bodyPr rtlCol="0" anchor="ctr"/>
-          <a:lstStyle/>
-          <a:p>
-            <a:pPr algn="ctr"/>
-            <a:endParaRPr lang="en-US"/>
-          </a:p>
-        </p:txBody>
-      </p:sp>
-      <p:grpSp>
-        <p:nvGrpSpPr>
-          <p:cNvPr id="10" name="Group 9">
-            <a:extLst>
-              <a:ext uri="{FF2B5EF4-FFF2-40B4-BE49-F238E27FC236}">
-                <a16:creationId xmlns:a16="http://schemas.microsoft.com/office/drawing/2014/main" id="{01B1A260-8A72-4E08-82CC-DB3DB0A49F35}"/>
-              </a:ext>
-              <a:ext uri="{C183D7F6-B498-43B3-948B-1728B52AA6E4}">
-                <adec:decorative xmlns:adec="http://schemas.microsoft.com/office/drawing/2017/decorative" val="1"/>
-              </a:ext>
-            </a:extLst>
-          </p:cNvPr>
-          <p:cNvGrpSpPr>
-            <a:grpSpLocks noGrp="1" noUngrp="1" noRot="1" noChangeAspect="1" noMove="1" noResize="1"/>
-          </p:cNvGrpSpPr>
-          <p:nvPr>
-            <p:extLst>
-              <p:ext uri="{386F3935-93C4-4BCD-93E2-E3B085C9AB24}">
-                <p16:designElem xmlns:p16="http://schemas.microsoft.com/office/powerpoint/2015/main" val="1"/>
-              </p:ext>
-            </p:extLst>
-          </p:nvPr>
-        </p:nvGrpSpPr>
-        <p:grpSpPr>
-          <a:xfrm>
-            <a:off x="0" y="-2373"/>
-            <a:ext cx="12192000" cy="6867027"/>
-            <a:chOff x="0" y="-2373"/>
-            <a:chExt cx="12192000" cy="6867027"/>
-          </a:xfrm>
-        </p:grpSpPr>
-        <p:sp>
-          <p:nvSpPr>
-            <p:cNvPr id="11" name="Rectangle 10">
-              <a:extLst>
-                <a:ext uri="{FF2B5EF4-FFF2-40B4-BE49-F238E27FC236}">
-                  <a16:creationId xmlns:a16="http://schemas.microsoft.com/office/drawing/2014/main" id="{F5EE446B-EFB2-4F6A-AC6E-936E92DB5C2F}"/>
-                </a:ext>
-                <a:ext uri="{C183D7F6-B498-43B3-948B-1728B52AA6E4}">
-                  <adec:decorative xmlns:adec="http://schemas.microsoft.com/office/drawing/2017/decorative" val="1"/>
-                </a:ext>
-              </a:extLst>
-            </p:cNvPr>
-            <p:cNvSpPr/>
-            <p:nvPr>
-              <p:extLst>
-                <p:ext uri="{386F3935-93C4-4BCD-93E2-E3B085C9AB24}">
-                  <p16:designElem xmlns:p16="http://schemas.microsoft.com/office/powerpoint/2015/main" val="1"/>
-                </p:ext>
-              </p:extLst>
-            </p:nvPr>
-          </p:nvSpPr>
-          <p:spPr>
-            <a:xfrm>
-              <a:off x="0" y="0"/>
-              <a:ext cx="12192000" cy="6858000"/>
-            </a:xfrm>
-            <a:prstGeom prst="rect">
-              <a:avLst/>
-            </a:prstGeom>
-            <a:blipFill>
-              <a:blip r:embed="rId2">
-                <a:duotone>
-                  <a:schemeClr val="dk2">
-                    <a:shade val="62000"/>
-                    <a:hueMod val="108000"/>
-                    <a:satMod val="164000"/>
-                    <a:lumMod val="69000"/>
-                  </a:schemeClr>
-                  <a:schemeClr val="dk2">
-                    <a:tint val="96000"/>
-                    <a:hueMod val="90000"/>
-                    <a:satMod val="130000"/>
-                    <a:lumMod val="134000"/>
-                  </a:schemeClr>
-                </a:duotone>
-              </a:blip>
-              <a:stretch>
-                <a:fillRect/>
-              </a:stretch>
-            </a:blipFill>
-            <a:ln>
-              <a:noFill/>
-            </a:ln>
-          </p:spPr>
-          <p:style>
-            <a:lnRef idx="2">
-              <a:schemeClr val="accent1">
-                <a:shade val="50000"/>
-              </a:schemeClr>
-            </a:lnRef>
-            <a:fillRef idx="1">
-              <a:schemeClr val="accent1"/>
-            </a:fillRef>
-            <a:effectRef idx="0">
-              <a:schemeClr val="accent1"/>
-            </a:effectRef>
-            <a:fontRef idx="minor">
-              <a:schemeClr val="lt1"/>
-            </a:fontRef>
-          </p:style>
-          <p:txBody>
-            <a:bodyPr/>
-            <a:lstStyle/>
-            <a:p>
-              <a:endParaRPr lang="en-US"/>
-            </a:p>
-          </p:txBody>
-        </p:sp>
-        <p:sp>
-          <p:nvSpPr>
-            <p:cNvPr id="12" name="Oval 11">
-              <a:extLst>
-                <a:ext uri="{FF2B5EF4-FFF2-40B4-BE49-F238E27FC236}">
-                  <a16:creationId xmlns:a16="http://schemas.microsoft.com/office/drawing/2014/main" id="{3483BA79-FCF5-4852-AF0E-CA634727E348}"/>
-                </a:ext>
-                <a:ext uri="{C183D7F6-B498-43B3-948B-1728B52AA6E4}">
-                  <adec:decorative xmlns:adec="http://schemas.microsoft.com/office/drawing/2017/decorative" val="1"/>
-                </a:ext>
-              </a:extLst>
-            </p:cNvPr>
-            <p:cNvSpPr/>
-            <p:nvPr>
-              <p:extLst>
-                <p:ext uri="{386F3935-93C4-4BCD-93E2-E3B085C9AB24}">
-                  <p16:designElem xmlns:p16="http://schemas.microsoft.com/office/powerpoint/2015/main" val="1"/>
-                </p:ext>
-              </p:extLst>
-            </p:nvPr>
-          </p:nvSpPr>
-          <p:spPr>
-            <a:xfrm>
-              <a:off x="3220" y="2667000"/>
-              <a:ext cx="4191000" cy="4191000"/>
-            </a:xfrm>
-            <a:prstGeom prst="ellipse">
-              <a:avLst/>
-            </a:prstGeom>
-            <a:gradFill flip="none" rotWithShape="1">
-              <a:gsLst>
-                <a:gs pos="0">
-                  <a:schemeClr val="bg2">
-                    <a:lumMod val="40000"/>
-                    <a:lumOff val="60000"/>
-                    <a:alpha val="11000"/>
-                  </a:schemeClr>
-                </a:gs>
-                <a:gs pos="75000">
-                  <a:schemeClr val="bg2">
-                    <a:lumMod val="40000"/>
-                    <a:lumOff val="60000"/>
-                    <a:alpha val="0"/>
-                  </a:schemeClr>
-                </a:gs>
-                <a:gs pos="36000">
-                  <a:schemeClr val="bg2">
-                    <a:lumMod val="40000"/>
-                    <a:lumOff val="60000"/>
-                    <a:alpha val="10000"/>
-                  </a:schemeClr>
-                </a:gs>
-              </a:gsLst>
-              <a:path path="circle">
-                <a:fillToRect l="50000" t="50000" r="50000" b="50000"/>
-              </a:path>
-              <a:tileRect/>
-            </a:gradFill>
-            <a:ln>
-              <a:noFill/>
-            </a:ln>
-            <a:effectLst/>
-          </p:spPr>
-          <p:style>
-            <a:lnRef idx="1">
-              <a:schemeClr val="accent1"/>
-            </a:lnRef>
-            <a:fillRef idx="3">
-              <a:schemeClr val="accent1"/>
-            </a:fillRef>
-            <a:effectRef idx="2">
-              <a:schemeClr val="accent1"/>
-            </a:effectRef>
-            <a:fontRef idx="minor">
-              <a:schemeClr val="lt1"/>
-            </a:fontRef>
-          </p:style>
-          <p:txBody>
-            <a:bodyPr/>
-            <a:lstStyle/>
-            <a:p>
-              <a:endParaRPr lang="en-US"/>
-            </a:p>
-          </p:txBody>
-        </p:sp>
-        <p:sp>
-          <p:nvSpPr>
-            <p:cNvPr id="13" name="Oval 12">
-              <a:extLst>
-                <a:ext uri="{FF2B5EF4-FFF2-40B4-BE49-F238E27FC236}">
-                  <a16:creationId xmlns:a16="http://schemas.microsoft.com/office/drawing/2014/main" id="{A2630BA5-8A74-4D0A-BB80-42BB6E2D0CFD}"/>
-                </a:ext>
-                <a:ext uri="{C183D7F6-B498-43B3-948B-1728B52AA6E4}">
-                  <adec:decorative xmlns:adec="http://schemas.microsoft.com/office/drawing/2017/decorative" val="1"/>
-                </a:ext>
-              </a:extLst>
-            </p:cNvPr>
-            <p:cNvSpPr/>
-            <p:nvPr>
-              <p:extLst>
-                <p:ext uri="{386F3935-93C4-4BCD-93E2-E3B085C9AB24}">
-                  <p16:designElem xmlns:p16="http://schemas.microsoft.com/office/powerpoint/2015/main" val="1"/>
-                </p:ext>
-              </p:extLst>
-            </p:nvPr>
-          </p:nvSpPr>
-          <p:spPr>
-            <a:xfrm>
-              <a:off x="1750" y="2895600"/>
-              <a:ext cx="2362200" cy="2362200"/>
-            </a:xfrm>
-            <a:prstGeom prst="ellipse">
-              <a:avLst/>
-            </a:prstGeom>
-            <a:gradFill flip="none" rotWithShape="1">
-              <a:gsLst>
-                <a:gs pos="0">
-                  <a:schemeClr val="bg2">
-                    <a:lumMod val="40000"/>
-                    <a:lumOff val="60000"/>
-                    <a:alpha val="8000"/>
-                  </a:schemeClr>
-                </a:gs>
-                <a:gs pos="72000">
-                  <a:schemeClr val="bg2">
-                    <a:lumMod val="40000"/>
-                    <a:lumOff val="60000"/>
-                    <a:alpha val="0"/>
-                  </a:schemeClr>
-                </a:gs>
-                <a:gs pos="36000">
-                  <a:schemeClr val="bg2">
-                    <a:lumMod val="40000"/>
-                    <a:lumOff val="60000"/>
-                    <a:alpha val="8000"/>
-                  </a:schemeClr>
-                </a:gs>
-              </a:gsLst>
-              <a:path path="circle">
-                <a:fillToRect l="50000" t="50000" r="50000" b="50000"/>
-              </a:path>
-              <a:tileRect/>
-            </a:gradFill>
-            <a:ln>
-              <a:noFill/>
-            </a:ln>
-            <a:effectLst/>
-          </p:spPr>
-          <p:style>
-            <a:lnRef idx="1">
-              <a:schemeClr val="accent1"/>
-            </a:lnRef>
-            <a:fillRef idx="3">
-              <a:schemeClr val="accent1"/>
-            </a:fillRef>
-            <a:effectRef idx="2">
-              <a:schemeClr val="accent1"/>
-            </a:effectRef>
-            <a:fontRef idx="minor">
-              <a:schemeClr val="lt1"/>
-            </a:fontRef>
-          </p:style>
-          <p:txBody>
-            <a:bodyPr/>
-            <a:lstStyle/>
-            <a:p>
-              <a:endParaRPr lang="en-US"/>
-            </a:p>
-          </p:txBody>
-        </p:sp>
-        <p:sp>
-          <p:nvSpPr>
-            <p:cNvPr id="14" name="Oval 13">
-              <a:extLst>
-                <a:ext uri="{FF2B5EF4-FFF2-40B4-BE49-F238E27FC236}">
-                  <a16:creationId xmlns:a16="http://schemas.microsoft.com/office/drawing/2014/main" id="{BD6109B2-DB31-43CB-950B-AB02BC17CFB0}"/>
-                </a:ext>
-                <a:ext uri="{C183D7F6-B498-43B3-948B-1728B52AA6E4}">
-                  <adec:decorative xmlns:adec="http://schemas.microsoft.com/office/drawing/2017/decorative" val="1"/>
-                </a:ext>
-              </a:extLst>
-            </p:cNvPr>
-            <p:cNvSpPr/>
-            <p:nvPr>
-              <p:extLst>
-                <p:ext uri="{386F3935-93C4-4BCD-93E2-E3B085C9AB24}">
-                  <p16:designElem xmlns:p16="http://schemas.microsoft.com/office/powerpoint/2015/main" val="1"/>
-                </p:ext>
-              </p:extLst>
-            </p:nvPr>
-          </p:nvSpPr>
-          <p:spPr>
-            <a:xfrm>
-              <a:off x="8609012" y="1676400"/>
-              <a:ext cx="2819400" cy="2819400"/>
-            </a:xfrm>
-            <a:prstGeom prst="ellipse">
-              <a:avLst/>
-            </a:prstGeom>
-            <a:gradFill flip="none" rotWithShape="1">
-              <a:gsLst>
-                <a:gs pos="0">
-                  <a:schemeClr val="bg2">
-                    <a:lumMod val="40000"/>
-                    <a:lumOff val="60000"/>
-                    <a:alpha val="7000"/>
-                  </a:schemeClr>
-                </a:gs>
-                <a:gs pos="69000">
-                  <a:schemeClr val="bg2">
-                    <a:lumMod val="40000"/>
-                    <a:lumOff val="60000"/>
-                    <a:alpha val="0"/>
-                  </a:schemeClr>
-                </a:gs>
-                <a:gs pos="36000">
-                  <a:schemeClr val="bg2">
-                    <a:lumMod val="40000"/>
-                    <a:lumOff val="60000"/>
-                    <a:alpha val="6000"/>
-                  </a:schemeClr>
-                </a:gs>
-              </a:gsLst>
-              <a:path path="circle">
-                <a:fillToRect l="50000" t="50000" r="50000" b="50000"/>
-              </a:path>
-              <a:tileRect/>
-            </a:gradFill>
-            <a:ln>
-              <a:noFill/>
-            </a:ln>
-            <a:effectLst/>
-          </p:spPr>
-          <p:style>
-            <a:lnRef idx="1">
-              <a:schemeClr val="accent1"/>
-            </a:lnRef>
-            <a:fillRef idx="3">
-              <a:schemeClr val="accent1"/>
-            </a:fillRef>
-            <a:effectRef idx="2">
-              <a:schemeClr val="accent1"/>
-            </a:effectRef>
-            <a:fontRef idx="minor">
-              <a:schemeClr val="lt1"/>
-            </a:fontRef>
-          </p:style>
-          <p:txBody>
-            <a:bodyPr/>
-            <a:lstStyle/>
-            <a:p>
-              <a:endParaRPr lang="en-US"/>
-            </a:p>
-          </p:txBody>
-        </p:sp>
-        <p:sp>
-          <p:nvSpPr>
-            <p:cNvPr id="15" name="Oval 14">
-              <a:extLst>
-                <a:ext uri="{FF2B5EF4-FFF2-40B4-BE49-F238E27FC236}">
-                  <a16:creationId xmlns:a16="http://schemas.microsoft.com/office/drawing/2014/main" id="{4F4C0381-B807-4F22-9362-4CF1EA4ED64B}"/>
-                </a:ext>
-                <a:ext uri="{C183D7F6-B498-43B3-948B-1728B52AA6E4}">
-                  <adec:decorative xmlns:adec="http://schemas.microsoft.com/office/drawing/2017/decorative" val="1"/>
-                </a:ext>
-              </a:extLst>
-            </p:cNvPr>
-            <p:cNvSpPr/>
-            <p:nvPr>
-              <p:extLst>
-                <p:ext uri="{386F3935-93C4-4BCD-93E2-E3B085C9AB24}">
-                  <p16:designElem xmlns:p16="http://schemas.microsoft.com/office/powerpoint/2015/main" val="1"/>
-                </p:ext>
-              </p:extLst>
-            </p:nvPr>
-          </p:nvSpPr>
-          <p:spPr>
-            <a:xfrm>
-              <a:off x="7999412" y="-2373"/>
-              <a:ext cx="1600200" cy="1600200"/>
-            </a:xfrm>
-            <a:prstGeom prst="ellipse">
-              <a:avLst/>
-            </a:prstGeom>
-            <a:gradFill flip="none" rotWithShape="1">
-              <a:gsLst>
-                <a:gs pos="0">
-                  <a:schemeClr val="bg2">
-                    <a:lumMod val="40000"/>
-                    <a:lumOff val="60000"/>
-                    <a:alpha val="14000"/>
-                  </a:schemeClr>
-                </a:gs>
-                <a:gs pos="73000">
-                  <a:schemeClr val="bg2">
-                    <a:lumMod val="40000"/>
-                    <a:lumOff val="60000"/>
-                    <a:alpha val="0"/>
-                  </a:schemeClr>
-                </a:gs>
-                <a:gs pos="36000">
-                  <a:schemeClr val="bg2">
-                    <a:lumMod val="40000"/>
-                    <a:lumOff val="60000"/>
-                    <a:alpha val="7000"/>
-                  </a:schemeClr>
-                </a:gs>
-              </a:gsLst>
-              <a:path path="circle">
-                <a:fillToRect l="50000" t="50000" r="50000" b="50000"/>
-              </a:path>
-              <a:tileRect/>
-            </a:gradFill>
-            <a:ln>
-              <a:noFill/>
-            </a:ln>
-            <a:effectLst/>
-          </p:spPr>
-          <p:style>
-            <a:lnRef idx="1">
-              <a:schemeClr val="accent1"/>
-            </a:lnRef>
-            <a:fillRef idx="3">
-              <a:schemeClr val="accent1"/>
-            </a:fillRef>
-            <a:effectRef idx="2">
-              <a:schemeClr val="accent1"/>
-            </a:effectRef>
-            <a:fontRef idx="minor">
-              <a:schemeClr val="lt1"/>
-            </a:fontRef>
-          </p:style>
-          <p:txBody>
-            <a:bodyPr/>
-            <a:lstStyle/>
-            <a:p>
-              <a:endParaRPr lang="en-US"/>
-            </a:p>
-          </p:txBody>
-        </p:sp>
-        <p:sp>
-          <p:nvSpPr>
-            <p:cNvPr id="16" name="Oval 15">
-              <a:extLst>
-                <a:ext uri="{FF2B5EF4-FFF2-40B4-BE49-F238E27FC236}">
-                  <a16:creationId xmlns:a16="http://schemas.microsoft.com/office/drawing/2014/main" id="{32DC58E5-A2AB-4AF3-BFDC-51F45B859101}"/>
-                </a:ext>
-                <a:ext uri="{C183D7F6-B498-43B3-948B-1728B52AA6E4}">
-                  <adec:decorative xmlns:adec="http://schemas.microsoft.com/office/drawing/2017/decorative" val="1"/>
-                </a:ext>
-              </a:extLst>
-            </p:cNvPr>
-            <p:cNvSpPr/>
-            <p:nvPr>
-              <p:extLst>
-                <p:ext uri="{386F3935-93C4-4BCD-93E2-E3B085C9AB24}">
-                  <p16:designElem xmlns:p16="http://schemas.microsoft.com/office/powerpoint/2015/main" val="1"/>
-                </p:ext>
-              </p:extLst>
-            </p:nvPr>
-          </p:nvSpPr>
-          <p:spPr>
-            <a:xfrm>
-              <a:off x="8609012" y="5874054"/>
-              <a:ext cx="990600" cy="990600"/>
-            </a:xfrm>
-            <a:prstGeom prst="ellipse">
-              <a:avLst/>
-            </a:prstGeom>
-            <a:gradFill flip="none" rotWithShape="1">
-              <a:gsLst>
-                <a:gs pos="0">
-                  <a:schemeClr val="bg2">
-                    <a:lumMod val="40000"/>
-                    <a:lumOff val="60000"/>
-                    <a:alpha val="14000"/>
-                  </a:schemeClr>
-                </a:gs>
-                <a:gs pos="66000">
-                  <a:schemeClr val="bg2">
-                    <a:lumMod val="40000"/>
-                    <a:lumOff val="60000"/>
-                    <a:alpha val="0"/>
-                  </a:schemeClr>
-                </a:gs>
-                <a:gs pos="36000">
-                  <a:schemeClr val="bg2">
-                    <a:lumMod val="40000"/>
-                    <a:lumOff val="60000"/>
-                    <a:alpha val="7000"/>
-                  </a:schemeClr>
-                </a:gs>
-              </a:gsLst>
-              <a:path path="circle">
-                <a:fillToRect l="50000" t="50000" r="50000" b="50000"/>
-              </a:path>
-              <a:tileRect/>
-            </a:gradFill>
-            <a:ln>
-              <a:noFill/>
-            </a:ln>
-            <a:effectLst/>
-          </p:spPr>
-          <p:style>
-            <a:lnRef idx="1">
-              <a:schemeClr val="accent1"/>
-            </a:lnRef>
-            <a:fillRef idx="3">
-              <a:schemeClr val="accent1"/>
-            </a:fillRef>
-            <a:effectRef idx="2">
-              <a:schemeClr val="accent1"/>
-            </a:effectRef>
-            <a:fontRef idx="minor">
-              <a:schemeClr val="lt1"/>
-            </a:fontRef>
-          </p:style>
-          <p:txBody>
-            <a:bodyPr/>
-            <a:lstStyle/>
-            <a:p>
-              <a:endParaRPr lang="en-US"/>
-            </a:p>
-          </p:txBody>
-        </p:sp>
-        <p:sp>
-          <p:nvSpPr>
-            <p:cNvPr id="17" name="Rectangle 16">
-              <a:extLst>
-                <a:ext uri="{FF2B5EF4-FFF2-40B4-BE49-F238E27FC236}">
-                  <a16:creationId xmlns:a16="http://schemas.microsoft.com/office/drawing/2014/main" id="{5A82E722-60BE-4C4A-93FB-ED5C9D25F96B}"/>
-                </a:ext>
-                <a:ext uri="{C183D7F6-B498-43B3-948B-1728B52AA6E4}">
-                  <adec:decorative xmlns:adec="http://schemas.microsoft.com/office/drawing/2017/decorative" val="1"/>
-                </a:ext>
-              </a:extLst>
-            </p:cNvPr>
-            <p:cNvSpPr/>
-            <p:nvPr>
-              <p:extLst>
-                <p:ext uri="{386F3935-93C4-4BCD-93E2-E3B085C9AB24}">
-                  <p16:designElem xmlns:p16="http://schemas.microsoft.com/office/powerpoint/2015/main" val="1"/>
-                </p:ext>
-              </p:extLst>
-            </p:nvPr>
-          </p:nvSpPr>
-          <p:spPr>
-            <a:xfrm>
-              <a:off x="5713412" y="402165"/>
-              <a:ext cx="6055253" cy="6053670"/>
-            </a:xfrm>
-            <a:prstGeom prst="rect">
-              <a:avLst/>
-            </a:prstGeom>
-            <a:solidFill>
-              <a:schemeClr val="bg1"/>
-            </a:solidFill>
-            <a:ln>
-              <a:noFill/>
-            </a:ln>
-            <a:effectLst/>
-          </p:spPr>
-          <p:style>
-            <a:lnRef idx="1">
-              <a:schemeClr val="accent1"/>
-            </a:lnRef>
-            <a:fillRef idx="3">
-              <a:schemeClr val="accent1"/>
-            </a:fillRef>
-            <a:effectRef idx="2">
-              <a:schemeClr val="accent1"/>
-            </a:effectRef>
-            <a:fontRef idx="minor">
-              <a:schemeClr val="lt1"/>
-            </a:fontRef>
-          </p:style>
-          <p:txBody>
-            <a:bodyPr/>
-            <a:lstStyle/>
-            <a:p>
-              <a:endParaRPr lang="en-US"/>
-            </a:p>
-          </p:txBody>
-        </p:sp>
-        <p:sp>
-          <p:nvSpPr>
-            <p:cNvPr id="18" name="Freeform 5">
-              <a:extLst>
-                <a:ext uri="{FF2B5EF4-FFF2-40B4-BE49-F238E27FC236}">
-                  <a16:creationId xmlns:a16="http://schemas.microsoft.com/office/drawing/2014/main" id="{BD917B57-2D0B-49F7-99D0-3E0D111382C3}"/>
-                </a:ext>
-                <a:ext uri="{C183D7F6-B498-43B3-948B-1728B52AA6E4}">
-                  <adec:decorative xmlns:adec="http://schemas.microsoft.com/office/drawing/2017/decorative" val="1"/>
-                </a:ext>
-              </a:extLst>
-            </p:cNvPr>
-            <p:cNvSpPr/>
-            <p:nvPr>
-              <p:extLst>
-                <p:ext uri="{386F3935-93C4-4BCD-93E2-E3B085C9AB24}">
-                  <p16:designElem xmlns:p16="http://schemas.microsoft.com/office/powerpoint/2015/main" val="1"/>
-                </p:ext>
-              </p:extLst>
-            </p:nvPr>
-          </p:nvSpPr>
-          <p:spPr bwMode="gray">
-            <a:xfrm rot="15922489">
-              <a:off x="3140485" y="1826078"/>
-              <a:ext cx="3299407" cy="440924"/>
-            </a:xfrm>
-            <a:custGeom>
-              <a:avLst/>
-              <a:gdLst/>
-              <a:ahLst/>
-              <a:cxnLst/>
-              <a:rect l="l" t="t" r="r" b="b"/>
-              <a:pathLst>
-                <a:path w="10000" h="5291">
-                  <a:moveTo>
-                    <a:pt x="85" y="2532"/>
-                  </a:moveTo>
-                  <a:cubicBezTo>
-                    <a:pt x="1736" y="3911"/>
-                    <a:pt x="7524" y="5298"/>
-                    <a:pt x="9958" y="5291"/>
-                  </a:cubicBezTo>
-                  <a:cubicBezTo>
-                    <a:pt x="9989" y="1958"/>
-                    <a:pt x="9969" y="3333"/>
-                    <a:pt x="10000" y="0"/>
-                  </a:cubicBezTo>
-                  <a:lnTo>
-                    <a:pt x="10000" y="0"/>
-                  </a:lnTo>
-                  <a:lnTo>
-                    <a:pt x="9667" y="204"/>
-                  </a:lnTo>
-                  <a:lnTo>
-                    <a:pt x="9334" y="400"/>
-                  </a:lnTo>
-                  <a:lnTo>
-                    <a:pt x="9001" y="590"/>
-                  </a:lnTo>
-                  <a:lnTo>
-                    <a:pt x="8667" y="753"/>
-                  </a:lnTo>
-                  <a:lnTo>
-                    <a:pt x="8333" y="917"/>
-                  </a:lnTo>
-                  <a:lnTo>
-                    <a:pt x="7999" y="1071"/>
-                  </a:lnTo>
-                  <a:lnTo>
-                    <a:pt x="7669" y="1202"/>
-                  </a:lnTo>
-                  <a:lnTo>
-                    <a:pt x="7333" y="1325"/>
-                  </a:lnTo>
-                  <a:lnTo>
-                    <a:pt x="7000" y="1440"/>
-                  </a:lnTo>
-                  <a:lnTo>
-                    <a:pt x="6673" y="1538"/>
-                  </a:lnTo>
-                  <a:lnTo>
-                    <a:pt x="6340" y="1636"/>
-                  </a:lnTo>
-                  <a:lnTo>
-                    <a:pt x="6013" y="1719"/>
-                  </a:lnTo>
-                  <a:lnTo>
-                    <a:pt x="5686" y="1784"/>
-                  </a:lnTo>
-                  <a:lnTo>
-                    <a:pt x="5359" y="1850"/>
-                  </a:lnTo>
-                  <a:lnTo>
-                    <a:pt x="5036" y="1906"/>
-                  </a:lnTo>
-                  <a:lnTo>
-                    <a:pt x="4717" y="1948"/>
-                  </a:lnTo>
-                  <a:lnTo>
-                    <a:pt x="4396" y="1980"/>
-                  </a:lnTo>
-                  <a:lnTo>
-                    <a:pt x="4079" y="2013"/>
-                  </a:lnTo>
-                  <a:lnTo>
-                    <a:pt x="3766" y="2029"/>
-                  </a:lnTo>
-                  <a:lnTo>
-                    <a:pt x="3454" y="2046"/>
-                  </a:lnTo>
-                  <a:lnTo>
-                    <a:pt x="3145" y="2053"/>
-                  </a:lnTo>
-                  <a:lnTo>
-                    <a:pt x="2839" y="2046"/>
-                  </a:lnTo>
-                  <a:lnTo>
-                    <a:pt x="2537" y="2046"/>
-                  </a:lnTo>
-                  <a:lnTo>
-                    <a:pt x="2238" y="2029"/>
-                  </a:lnTo>
-                  <a:lnTo>
-                    <a:pt x="1943" y="2004"/>
-                  </a:lnTo>
-                  <a:lnTo>
-                    <a:pt x="1653" y="1980"/>
-                  </a:lnTo>
-                  <a:lnTo>
-                    <a:pt x="1368" y="1955"/>
-                  </a:lnTo>
-                  <a:lnTo>
-                    <a:pt x="1085" y="1915"/>
-                  </a:lnTo>
-                  <a:lnTo>
-                    <a:pt x="806" y="1873"/>
-                  </a:lnTo>
-                  <a:lnTo>
-                    <a:pt x="533" y="1833"/>
-                  </a:lnTo>
-                  <a:lnTo>
-                    <a:pt x="0" y="1726"/>
-                  </a:lnTo>
-                  <a:cubicBezTo>
-                    <a:pt x="28" y="1995"/>
-                    <a:pt x="57" y="2263"/>
-                    <a:pt x="85" y="2532"/>
-                  </a:cubicBezTo>
-                  <a:close/>
-                </a:path>
-              </a:pathLst>
-            </a:custGeom>
-            <a:solidFill>
-              <a:schemeClr val="bg1">
-                <a:alpha val="20000"/>
-              </a:schemeClr>
-            </a:solidFill>
-            <a:ln>
-              <a:noFill/>
-            </a:ln>
-          </p:spPr>
-          <p:txBody>
-            <a:bodyPr/>
-            <a:lstStyle/>
-            <a:p>
-              <a:endParaRPr lang="en-US"/>
-            </a:p>
-          </p:txBody>
-        </p:sp>
-        <p:sp>
-          <p:nvSpPr>
-            <p:cNvPr id="19" name="Freeform 5">
-              <a:extLst>
-                <a:ext uri="{FF2B5EF4-FFF2-40B4-BE49-F238E27FC236}">
-                  <a16:creationId xmlns:a16="http://schemas.microsoft.com/office/drawing/2014/main" id="{ED29444E-A895-4493-BEBA-CBD61CF471F7}"/>
-                </a:ext>
-                <a:ext uri="{C183D7F6-B498-43B3-948B-1728B52AA6E4}">
-                  <adec:decorative xmlns:adec="http://schemas.microsoft.com/office/drawing/2017/decorative" val="1"/>
-                </a:ext>
-              </a:extLst>
-            </p:cNvPr>
-            <p:cNvSpPr/>
-            <p:nvPr>
-              <p:extLst>
-                <p:ext uri="{386F3935-93C4-4BCD-93E2-E3B085C9AB24}">
-                  <p16:designElem xmlns:p16="http://schemas.microsoft.com/office/powerpoint/2015/main" val="1"/>
-                </p:ext>
-              </p:extLst>
-            </p:nvPr>
-          </p:nvSpPr>
-          <p:spPr bwMode="gray">
-            <a:xfrm rot="16200000">
-              <a:off x="2229377" y="2801721"/>
-              <a:ext cx="6053670" cy="1254558"/>
-            </a:xfrm>
-            <a:custGeom>
-              <a:avLst/>
-              <a:gdLst/>
-              <a:ahLst/>
-              <a:cxnLst/>
-              <a:rect l="l" t="t" r="r" b="b"/>
-              <a:pathLst>
-                <a:path w="10000" h="8000">
-                  <a:moveTo>
-                    <a:pt x="0" y="0"/>
-                  </a:moveTo>
-                  <a:lnTo>
-                    <a:pt x="0" y="7970"/>
-                  </a:lnTo>
-                  <a:lnTo>
-                    <a:pt x="10000" y="8000"/>
-                  </a:lnTo>
-                  <a:lnTo>
-                    <a:pt x="10000" y="7"/>
-                  </a:lnTo>
-                  <a:lnTo>
-                    <a:pt x="10000" y="7"/>
-                  </a:lnTo>
-                  <a:lnTo>
-                    <a:pt x="9773" y="156"/>
-                  </a:lnTo>
-                  <a:lnTo>
-                    <a:pt x="9547" y="298"/>
-                  </a:lnTo>
-                  <a:lnTo>
-                    <a:pt x="9320" y="437"/>
-                  </a:lnTo>
-                  <a:lnTo>
-                    <a:pt x="9092" y="556"/>
-                  </a:lnTo>
-                  <a:lnTo>
-                    <a:pt x="8865" y="676"/>
-                  </a:lnTo>
-                  <a:lnTo>
-                    <a:pt x="8637" y="788"/>
-                  </a:lnTo>
-                  <a:lnTo>
-                    <a:pt x="8412" y="884"/>
-                  </a:lnTo>
-                  <a:lnTo>
-                    <a:pt x="8184" y="975"/>
-                  </a:lnTo>
-                  <a:lnTo>
-                    <a:pt x="7957" y="1058"/>
-                  </a:lnTo>
-                  <a:lnTo>
-                    <a:pt x="7734" y="1130"/>
-                  </a:lnTo>
-                  <a:lnTo>
-                    <a:pt x="7508" y="1202"/>
-                  </a:lnTo>
-                  <a:lnTo>
-                    <a:pt x="7285" y="1262"/>
-                  </a:lnTo>
-                  <a:lnTo>
-                    <a:pt x="7062" y="1309"/>
-                  </a:lnTo>
-                  <a:lnTo>
-                    <a:pt x="6840" y="1358"/>
-                  </a:lnTo>
-                  <a:lnTo>
-                    <a:pt x="6620" y="1399"/>
-                  </a:lnTo>
-                  <a:lnTo>
-                    <a:pt x="6402" y="1428"/>
-                  </a:lnTo>
-                  <a:lnTo>
-                    <a:pt x="6184" y="1453"/>
-                  </a:lnTo>
-                  <a:lnTo>
-                    <a:pt x="5968" y="1477"/>
-                  </a:lnTo>
-                  <a:lnTo>
-                    <a:pt x="5755" y="1488"/>
-                  </a:lnTo>
-                  <a:lnTo>
-                    <a:pt x="5542" y="1500"/>
-                  </a:lnTo>
-                  <a:lnTo>
-                    <a:pt x="5332" y="1506"/>
-                  </a:lnTo>
-                  <a:lnTo>
-                    <a:pt x="5124" y="1500"/>
-                  </a:lnTo>
-                  <a:lnTo>
-                    <a:pt x="4918" y="1500"/>
-                  </a:lnTo>
-                  <a:lnTo>
-                    <a:pt x="4714" y="1488"/>
-                  </a:lnTo>
-                  <a:lnTo>
-                    <a:pt x="4514" y="1470"/>
-                  </a:lnTo>
-                  <a:lnTo>
-                    <a:pt x="4316" y="1453"/>
-                  </a:lnTo>
-                  <a:lnTo>
-                    <a:pt x="4122" y="1434"/>
-                  </a:lnTo>
-                  <a:lnTo>
-                    <a:pt x="3929" y="1405"/>
-                  </a:lnTo>
-                  <a:lnTo>
-                    <a:pt x="3739" y="1374"/>
-                  </a:lnTo>
-                  <a:lnTo>
-                    <a:pt x="3553" y="1346"/>
-                  </a:lnTo>
-                  <a:lnTo>
-                    <a:pt x="3190" y="1267"/>
-                  </a:lnTo>
-                  <a:lnTo>
-                    <a:pt x="2842" y="1183"/>
-                  </a:lnTo>
-                  <a:lnTo>
-                    <a:pt x="2508" y="1095"/>
-                  </a:lnTo>
-                  <a:lnTo>
-                    <a:pt x="2192" y="998"/>
-                  </a:lnTo>
-                  <a:lnTo>
-                    <a:pt x="1890" y="897"/>
-                  </a:lnTo>
-                  <a:lnTo>
-                    <a:pt x="1610" y="788"/>
-                  </a:lnTo>
-                  <a:lnTo>
-                    <a:pt x="1347" y="681"/>
-                  </a:lnTo>
-                  <a:lnTo>
-                    <a:pt x="1105" y="574"/>
-                  </a:lnTo>
-                  <a:lnTo>
-                    <a:pt x="883" y="473"/>
-                  </a:lnTo>
-                  <a:lnTo>
-                    <a:pt x="686" y="377"/>
-                  </a:lnTo>
-                  <a:lnTo>
-                    <a:pt x="508" y="286"/>
-                  </a:lnTo>
-                  <a:lnTo>
-                    <a:pt x="358" y="210"/>
-                  </a:lnTo>
-                  <a:lnTo>
-                    <a:pt x="232" y="138"/>
-                  </a:lnTo>
-                  <a:lnTo>
-                    <a:pt x="59" y="35"/>
-                  </a:lnTo>
-                  <a:lnTo>
-                    <a:pt x="0" y="0"/>
-                  </a:lnTo>
-                  <a:lnTo>
-                    <a:pt x="0" y="0"/>
-                  </a:lnTo>
-                  <a:close/>
-                </a:path>
-              </a:pathLst>
-            </a:custGeom>
-            <a:solidFill>
-              <a:schemeClr val="bg1"/>
-            </a:solidFill>
-            <a:ln>
-              <a:noFill/>
-            </a:ln>
-          </p:spPr>
-          <p:txBody>
-            <a:bodyPr/>
-            <a:lstStyle/>
-            <a:p>
-              <a:endParaRPr lang="en-US"/>
-            </a:p>
-          </p:txBody>
-        </p:sp>
-        <p:sp>
-          <p:nvSpPr>
-            <p:cNvPr id="20" name="Freeform 5">
-              <a:extLst>
-                <a:ext uri="{FF2B5EF4-FFF2-40B4-BE49-F238E27FC236}">
-                  <a16:creationId xmlns:a16="http://schemas.microsoft.com/office/drawing/2014/main" id="{9237B3E9-B2D7-4C20-930D-6FD74FFB5C17}"/>
-                </a:ext>
-                <a:ext uri="{C183D7F6-B498-43B3-948B-1728B52AA6E4}">
-                  <adec:decorative xmlns:adec="http://schemas.microsoft.com/office/drawing/2017/decorative" val="1"/>
-                </a:ext>
-              </a:extLst>
-            </p:cNvPr>
-            <p:cNvSpPr>
-              <a:spLocks noEditPoints="1"/>
-            </p:cNvSpPr>
-            <p:nvPr>
-              <p:extLst>
-                <p:ext uri="{386F3935-93C4-4BCD-93E2-E3B085C9AB24}">
-                  <p16:designElem xmlns:p16="http://schemas.microsoft.com/office/powerpoint/2015/main" val="1"/>
-                </p:ext>
-              </p:extLst>
-            </p:nvPr>
-          </p:nvSpPr>
-          <p:spPr bwMode="gray">
-            <a:xfrm>
-              <a:off x="0" y="1587"/>
-              <a:ext cx="12192000" cy="6856413"/>
-            </a:xfrm>
-            <a:custGeom>
-              <a:avLst/>
-              <a:gdLst/>
-              <a:ahLst/>
-              <a:cxnLst/>
-              <a:rect l="0" t="0" r="r" b="b"/>
-              <a:pathLst>
-                <a:path w="15356" h="8638">
-                  <a:moveTo>
-                    <a:pt x="0" y="0"/>
-                  </a:moveTo>
-                  <a:lnTo>
-                    <a:pt x="0" y="8638"/>
-                  </a:lnTo>
-                  <a:lnTo>
-                    <a:pt x="15356" y="8638"/>
-                  </a:lnTo>
-                  <a:lnTo>
-                    <a:pt x="15356" y="0"/>
-                  </a:lnTo>
-                  <a:lnTo>
-                    <a:pt x="0" y="0"/>
-                  </a:lnTo>
-                  <a:close/>
-                  <a:moveTo>
-                    <a:pt x="14748" y="8038"/>
-                  </a:moveTo>
-                  <a:lnTo>
-                    <a:pt x="600" y="8038"/>
-                  </a:lnTo>
-                  <a:lnTo>
-                    <a:pt x="600" y="592"/>
-                  </a:lnTo>
-                  <a:lnTo>
-                    <a:pt x="14748" y="592"/>
-                  </a:lnTo>
-                  <a:lnTo>
-                    <a:pt x="14748" y="8038"/>
-                  </a:lnTo>
-                  <a:close/>
-                </a:path>
-              </a:pathLst>
-            </a:custGeom>
-            <a:solidFill>
-              <a:schemeClr val="bg1"/>
-            </a:solidFill>
-            <a:ln>
-              <a:noFill/>
-            </a:ln>
-          </p:spPr>
-          <p:txBody>
-            <a:bodyPr/>
-            <a:lstStyle/>
-            <a:p>
-              <a:endParaRPr lang="en-US"/>
-            </a:p>
-          </p:txBody>
-        </p:sp>
-      </p:grpSp>
-      <p:sp>
-        <p:nvSpPr>
-          <p:cNvPr id="2" name="Title 1">
-            <a:extLst>
-              <a:ext uri="{FF2B5EF4-FFF2-40B4-BE49-F238E27FC236}">
-                <a16:creationId xmlns:a16="http://schemas.microsoft.com/office/drawing/2014/main" id="{E236C010-55AE-6E3D-3D11-6289BF474932}"/>
-              </a:ext>
-            </a:extLst>
-          </p:cNvPr>
-          <p:cNvSpPr>
-            <a:spLocks noGrp="1"/>
-          </p:cNvSpPr>
-          <p:nvPr>
-            <p:ph type="title"/>
-          </p:nvPr>
-        </p:nvSpPr>
-        <p:spPr>
-          <a:xfrm>
-            <a:off x="994087" y="1130603"/>
-            <a:ext cx="3342442" cy="4596794"/>
-          </a:xfrm>
-        </p:spPr>
-        <p:txBody>
-          <a:bodyPr anchor="ctr">
-            <a:normAutofit/>
-          </a:bodyPr>
-          <a:lstStyle/>
-          <a:p>
-            <a:r>
-              <a:rPr lang="en-US" sz="4800" dirty="0">
-                <a:solidFill>
-                  <a:srgbClr val="EBEBEB"/>
-                </a:solidFill>
-              </a:rPr>
-              <a:t>Consists of three separate pieces</a:t>
-            </a:r>
-          </a:p>
-        </p:txBody>
-      </p:sp>
-      <p:sp>
-        <p:nvSpPr>
-          <p:cNvPr id="3" name="Content Placeholder 2">
-            <a:extLst>
-              <a:ext uri="{FF2B5EF4-FFF2-40B4-BE49-F238E27FC236}">
-                <a16:creationId xmlns:a16="http://schemas.microsoft.com/office/drawing/2014/main" id="{C3EBDA7B-AC9D-E6BC-8D18-A75F42926969}"/>
-              </a:ext>
-            </a:extLst>
-          </p:cNvPr>
-          <p:cNvSpPr>
-            <a:spLocks noGrp="1"/>
-          </p:cNvSpPr>
-          <p:nvPr>
-            <p:ph idx="1"/>
-          </p:nvPr>
-        </p:nvSpPr>
-        <p:spPr>
-          <a:xfrm>
-            <a:off x="5290077" y="437513"/>
-            <a:ext cx="5502614" cy="5954325"/>
-          </a:xfrm>
-        </p:spPr>
-        <p:txBody>
-          <a:bodyPr anchor="ctr">
-            <a:normAutofit/>
-          </a:bodyPr>
-          <a:lstStyle/>
-          <a:p>
-            <a:endParaRPr lang="en-US" sz="2000" dirty="0"/>
-          </a:p>
-        </p:txBody>
-      </p:sp>
-    </p:spTree>
-    <p:extLst>
-      <p:ext uri="{BB962C8B-B14F-4D97-AF65-F5344CB8AC3E}">
-        <p14:creationId xmlns:p14="http://schemas.microsoft.com/office/powerpoint/2010/main" val="3335002495"/>
-      </p:ext>
-    </p:extLst>
-  </p:cSld>
-  <p:clrMapOvr>
-    <a:masterClrMapping/>
-  </p:clrMapOvr>
-</p:sld>
-</file>
-
-<file path=ppt/slides/slide8.xml><?xml version="1.0" encoding="utf-8"?>
-<p:sld xmlns:a="http://schemas.openxmlformats.org/drawingml/2006/main" xmlns:r="http://schemas.openxmlformats.org/officeDocument/2006/relationships" xmlns:p="http://schemas.openxmlformats.org/presentationml/2006/main">
-  <p:cSld>
-    <p:bg>
-      <p:bgPr>
-        <a:solidFill>
-          <a:schemeClr val="bg1"/>
-        </a:solidFill>
-        <a:effectLst/>
-      </p:bgPr>
-    </p:bg>
-    <p:spTree>
-      <p:nvGrpSpPr>
-        <p:cNvPr id="1" name=""/>
-        <p:cNvGrpSpPr/>
-        <p:nvPr/>
-      </p:nvGrpSpPr>
-      <p:grpSpPr>
-        <a:xfrm>
-          <a:off x="0" y="0"/>
-          <a:ext cx="0" cy="0"/>
-          <a:chOff x="0" y="0"/>
-          <a:chExt cx="0" cy="0"/>
-        </a:xfrm>
-      </p:grpSpPr>
-      <p:sp useBgFill="1">
-        <p:nvSpPr>
-          <p:cNvPr id="8" name="Rectangle 7">
-            <a:extLst>
-              <a:ext uri="{FF2B5EF4-FFF2-40B4-BE49-F238E27FC236}">
-                <a16:creationId xmlns:a16="http://schemas.microsoft.com/office/drawing/2014/main" id="{324E43EB-867C-4B35-9A5C-E435157C7297}"/>
-              </a:ext>
-              <a:ext uri="{C183D7F6-B498-43B3-948B-1728B52AA6E4}">
-                <adec:decorative xmlns:adec="http://schemas.microsoft.com/office/drawing/2017/decorative" val="1"/>
-              </a:ext>
-            </a:extLst>
-          </p:cNvPr>
-          <p:cNvSpPr>
-            <a:spLocks noGrp="1" noRot="1" noChangeAspect="1" noMove="1" noResize="1" noEditPoints="1" noAdjustHandles="1" noChangeArrowheads="1" noChangeShapeType="1" noTextEdit="1"/>
-          </p:cNvSpPr>
-          <p:nvPr>
-            <p:extLst>
-              <p:ext uri="{386F3935-93C4-4BCD-93E2-E3B085C9AB24}">
-                <p16:designElem xmlns:p16="http://schemas.microsoft.com/office/powerpoint/2015/main" val="1"/>
-              </p:ext>
-            </p:extLst>
-          </p:nvPr>
-        </p:nvSpPr>
-        <p:spPr>
-          <a:xfrm>
-            <a:off x="0" y="0"/>
-            <a:ext cx="12192000" cy="6858000"/>
-          </a:xfrm>
-          <a:prstGeom prst="rect">
-            <a:avLst/>
-          </a:prstGeom>
-          <a:ln>
-            <a:noFill/>
-          </a:ln>
-        </p:spPr>
-        <p:style>
-          <a:lnRef idx="2">
-            <a:schemeClr val="accent1">
-              <a:shade val="50000"/>
-            </a:schemeClr>
-          </a:lnRef>
-          <a:fillRef idx="1">
-            <a:schemeClr val="accent1"/>
-          </a:fillRef>
-          <a:effectRef idx="0">
-            <a:schemeClr val="accent1"/>
-          </a:effectRef>
-          <a:fontRef idx="minor">
-            <a:schemeClr val="lt1"/>
-          </a:fontRef>
-        </p:style>
-        <p:txBody>
-          <a:bodyPr rtlCol="0" anchor="ctr"/>
-          <a:lstStyle/>
-          <a:p>
-            <a:pPr marL="0" marR="0" lvl="0" indent="0" algn="ctr" defTabSz="457200" rtl="0" eaLnBrk="1" fontAlgn="auto" latinLnBrk="0" hangingPunct="1">
-              <a:lnSpc>
-                <a:spcPct val="100000"/>
-              </a:lnSpc>
-              <a:spcBef>
-                <a:spcPts val="0"/>
-              </a:spcBef>
-              <a:spcAft>
-                <a:spcPts val="0"/>
-              </a:spcAft>
-              <a:buClrTx/>
-              <a:buSzTx/>
-              <a:buFontTx/>
-              <a:buNone/>
-              <a:tabLst/>
-              <a:defRPr/>
-            </a:pPr>
-            <a:endParaRPr kumimoji="0" lang="en-US" sz="1800" b="0" i="0" u="none" strike="noStrike" kern="1200" cap="none" spc="0" normalizeH="0" baseline="0" noProof="0">
-              <a:ln>
-                <a:noFill/>
-              </a:ln>
-              <a:solidFill>
-                <a:prstClr val="white"/>
-              </a:solidFill>
-              <a:effectLst/>
-              <a:uLnTx/>
-              <a:uFillTx/>
-              <a:latin typeface="Century Gothic" panose="020B0502020202020204"/>
-              <a:ea typeface="+mn-ea"/>
-              <a:cs typeface="+mn-cs"/>
-            </a:endParaRPr>
-          </a:p>
-        </p:txBody>
-      </p:sp>
-      <p:grpSp>
-        <p:nvGrpSpPr>
-          <p:cNvPr id="10" name="Group 9">
-            <a:extLst>
-              <a:ext uri="{FF2B5EF4-FFF2-40B4-BE49-F238E27FC236}">
-                <a16:creationId xmlns:a16="http://schemas.microsoft.com/office/drawing/2014/main" id="{01B1A260-8A72-4E08-82CC-DB3DB0A49F35}"/>
-              </a:ext>
-              <a:ext uri="{C183D7F6-B498-43B3-948B-1728B52AA6E4}">
-                <adec:decorative xmlns:adec="http://schemas.microsoft.com/office/drawing/2017/decorative" val="1"/>
-              </a:ext>
-            </a:extLst>
-          </p:cNvPr>
-          <p:cNvGrpSpPr>
-            <a:grpSpLocks noGrp="1" noUngrp="1" noRot="1" noChangeAspect="1" noMove="1" noResize="1"/>
-          </p:cNvGrpSpPr>
-          <p:nvPr>
-            <p:extLst>
-              <p:ext uri="{386F3935-93C4-4BCD-93E2-E3B085C9AB24}">
-                <p16:designElem xmlns:p16="http://schemas.microsoft.com/office/powerpoint/2015/main" val="1"/>
-              </p:ext>
-            </p:extLst>
-          </p:nvPr>
-        </p:nvGrpSpPr>
-        <p:grpSpPr>
-          <a:xfrm>
-            <a:off x="0" y="-2373"/>
-            <a:ext cx="12192000" cy="6867027"/>
-            <a:chOff x="0" y="-2373"/>
-            <a:chExt cx="12192000" cy="6867027"/>
-          </a:xfrm>
-        </p:grpSpPr>
-        <p:sp>
-          <p:nvSpPr>
-            <p:cNvPr id="11" name="Rectangle 10">
-              <a:extLst>
-                <a:ext uri="{FF2B5EF4-FFF2-40B4-BE49-F238E27FC236}">
-                  <a16:creationId xmlns:a16="http://schemas.microsoft.com/office/drawing/2014/main" id="{F5EE446B-EFB2-4F6A-AC6E-936E92DB5C2F}"/>
-                </a:ext>
-                <a:ext uri="{C183D7F6-B498-43B3-948B-1728B52AA6E4}">
-                  <adec:decorative xmlns:adec="http://schemas.microsoft.com/office/drawing/2017/decorative" val="1"/>
-                </a:ext>
-              </a:extLst>
-            </p:cNvPr>
-            <p:cNvSpPr/>
-            <p:nvPr>
-              <p:extLst>
-                <p:ext uri="{386F3935-93C4-4BCD-93E2-E3B085C9AB24}">
-                  <p16:designElem xmlns:p16="http://schemas.microsoft.com/office/powerpoint/2015/main" val="1"/>
-                </p:ext>
-              </p:extLst>
-            </p:nvPr>
-          </p:nvSpPr>
-          <p:spPr>
-            <a:xfrm>
-              <a:off x="0" y="0"/>
-              <a:ext cx="12192000" cy="6858000"/>
-            </a:xfrm>
-            <a:prstGeom prst="rect">
-              <a:avLst/>
-            </a:prstGeom>
-            <a:blipFill>
-              <a:blip r:embed="rId2">
-                <a:duotone>
-                  <a:schemeClr val="dk2">
-                    <a:shade val="62000"/>
-                    <a:hueMod val="108000"/>
-                    <a:satMod val="164000"/>
-                    <a:lumMod val="69000"/>
-                  </a:schemeClr>
-                  <a:schemeClr val="dk2">
-                    <a:tint val="96000"/>
-                    <a:hueMod val="90000"/>
-                    <a:satMod val="130000"/>
-                    <a:lumMod val="134000"/>
-                  </a:schemeClr>
-                </a:duotone>
-              </a:blip>
-              <a:stretch>
-                <a:fillRect/>
-              </a:stretch>
-            </a:blipFill>
-            <a:ln>
-              <a:noFill/>
-            </a:ln>
-          </p:spPr>
-          <p:style>
-            <a:lnRef idx="2">
-              <a:schemeClr val="accent1">
-                <a:shade val="50000"/>
-              </a:schemeClr>
-            </a:lnRef>
-            <a:fillRef idx="1">
-              <a:schemeClr val="accent1"/>
-            </a:fillRef>
-            <a:effectRef idx="0">
-              <a:schemeClr val="accent1"/>
-            </a:effectRef>
-            <a:fontRef idx="minor">
-              <a:schemeClr val="lt1"/>
-            </a:fontRef>
-          </p:style>
-          <p:txBody>
-            <a:bodyPr/>
-            <a:lstStyle/>
-            <a:p>
-              <a:pPr marL="0" marR="0" lvl="0" indent="0" algn="l" defTabSz="457200" rtl="0" eaLnBrk="1" fontAlgn="auto" latinLnBrk="0" hangingPunct="1">
-                <a:lnSpc>
-                  <a:spcPct val="100000"/>
-                </a:lnSpc>
-                <a:spcBef>
-                  <a:spcPts val="0"/>
-                </a:spcBef>
-                <a:spcAft>
-                  <a:spcPts val="0"/>
-                </a:spcAft>
-                <a:buClrTx/>
-                <a:buSzTx/>
-                <a:buFontTx/>
-                <a:buNone/>
-                <a:tabLst/>
-                <a:defRPr/>
-              </a:pPr>
-              <a:endParaRPr kumimoji="0" lang="en-US" sz="1800" b="0" i="0" u="none" strike="noStrike" kern="1200" cap="none" spc="0" normalizeH="0" baseline="0" noProof="0">
-                <a:ln>
-                  <a:noFill/>
-                </a:ln>
-                <a:solidFill>
-                  <a:prstClr val="white"/>
-                </a:solidFill>
-                <a:effectLst/>
-                <a:uLnTx/>
-                <a:uFillTx/>
-                <a:latin typeface="Century Gothic" panose="020B0502020202020204"/>
-                <a:ea typeface="+mn-ea"/>
-                <a:cs typeface="+mn-cs"/>
-              </a:endParaRPr>
-            </a:p>
-          </p:txBody>
-        </p:sp>
-        <p:sp>
-          <p:nvSpPr>
-            <p:cNvPr id="12" name="Oval 11">
-              <a:extLst>
-                <a:ext uri="{FF2B5EF4-FFF2-40B4-BE49-F238E27FC236}">
-                  <a16:creationId xmlns:a16="http://schemas.microsoft.com/office/drawing/2014/main" id="{3483BA79-FCF5-4852-AF0E-CA634727E348}"/>
-                </a:ext>
-                <a:ext uri="{C183D7F6-B498-43B3-948B-1728B52AA6E4}">
-                  <adec:decorative xmlns:adec="http://schemas.microsoft.com/office/drawing/2017/decorative" val="1"/>
-                </a:ext>
-              </a:extLst>
-            </p:cNvPr>
-            <p:cNvSpPr/>
-            <p:nvPr>
-              <p:extLst>
-                <p:ext uri="{386F3935-93C4-4BCD-93E2-E3B085C9AB24}">
-                  <p16:designElem xmlns:p16="http://schemas.microsoft.com/office/powerpoint/2015/main" val="1"/>
-                </p:ext>
-              </p:extLst>
-            </p:nvPr>
-          </p:nvSpPr>
-          <p:spPr>
-            <a:xfrm>
-              <a:off x="3220" y="2667000"/>
-              <a:ext cx="4191000" cy="4191000"/>
-            </a:xfrm>
-            <a:prstGeom prst="ellipse">
-              <a:avLst/>
-            </a:prstGeom>
-            <a:gradFill flip="none" rotWithShape="1">
-              <a:gsLst>
-                <a:gs pos="0">
-                  <a:schemeClr val="bg2">
-                    <a:lumMod val="40000"/>
-                    <a:lumOff val="60000"/>
-                    <a:alpha val="11000"/>
-                  </a:schemeClr>
-                </a:gs>
-                <a:gs pos="75000">
-                  <a:schemeClr val="bg2">
-                    <a:lumMod val="40000"/>
-                    <a:lumOff val="60000"/>
-                    <a:alpha val="0"/>
-                  </a:schemeClr>
-                </a:gs>
-                <a:gs pos="36000">
-                  <a:schemeClr val="bg2">
-                    <a:lumMod val="40000"/>
-                    <a:lumOff val="60000"/>
-                    <a:alpha val="10000"/>
-                  </a:schemeClr>
-                </a:gs>
-              </a:gsLst>
-              <a:path path="circle">
-                <a:fillToRect l="50000" t="50000" r="50000" b="50000"/>
-              </a:path>
-              <a:tileRect/>
-            </a:gradFill>
-            <a:ln>
-              <a:noFill/>
-            </a:ln>
-            <a:effectLst/>
-          </p:spPr>
-          <p:style>
-            <a:lnRef idx="1">
-              <a:schemeClr val="accent1"/>
-            </a:lnRef>
-            <a:fillRef idx="3">
-              <a:schemeClr val="accent1"/>
-            </a:fillRef>
-            <a:effectRef idx="2">
-              <a:schemeClr val="accent1"/>
-            </a:effectRef>
-            <a:fontRef idx="minor">
-              <a:schemeClr val="lt1"/>
-            </a:fontRef>
-          </p:style>
-          <p:txBody>
-            <a:bodyPr/>
-            <a:lstStyle/>
-            <a:p>
-              <a:pPr marL="0" marR="0" lvl="0" indent="0" algn="l" defTabSz="457200" rtl="0" eaLnBrk="1" fontAlgn="auto" latinLnBrk="0" hangingPunct="1">
-                <a:lnSpc>
-                  <a:spcPct val="100000"/>
-                </a:lnSpc>
-                <a:spcBef>
-                  <a:spcPts val="0"/>
-                </a:spcBef>
-                <a:spcAft>
-                  <a:spcPts val="0"/>
-                </a:spcAft>
-                <a:buClrTx/>
-                <a:buSzTx/>
-                <a:buFontTx/>
-                <a:buNone/>
-                <a:tabLst/>
-                <a:defRPr/>
-              </a:pPr>
-              <a:endParaRPr kumimoji="0" lang="en-US" sz="1800" b="0" i="0" u="none" strike="noStrike" kern="1200" cap="none" spc="0" normalizeH="0" baseline="0" noProof="0">
-                <a:ln>
-                  <a:noFill/>
-                </a:ln>
-                <a:solidFill>
-                  <a:prstClr val="white"/>
-                </a:solidFill>
-                <a:effectLst/>
-                <a:uLnTx/>
-                <a:uFillTx/>
-                <a:latin typeface="Century Gothic" panose="020B0502020202020204"/>
-                <a:ea typeface="+mn-ea"/>
-                <a:cs typeface="+mn-cs"/>
-              </a:endParaRPr>
-            </a:p>
-          </p:txBody>
-        </p:sp>
-        <p:sp>
-          <p:nvSpPr>
-            <p:cNvPr id="13" name="Oval 12">
-              <a:extLst>
-                <a:ext uri="{FF2B5EF4-FFF2-40B4-BE49-F238E27FC236}">
-                  <a16:creationId xmlns:a16="http://schemas.microsoft.com/office/drawing/2014/main" id="{A2630BA5-8A74-4D0A-BB80-42BB6E2D0CFD}"/>
-                </a:ext>
-                <a:ext uri="{C183D7F6-B498-43B3-948B-1728B52AA6E4}">
-                  <adec:decorative xmlns:adec="http://schemas.microsoft.com/office/drawing/2017/decorative" val="1"/>
-                </a:ext>
-              </a:extLst>
-            </p:cNvPr>
-            <p:cNvSpPr/>
-            <p:nvPr>
-              <p:extLst>
-                <p:ext uri="{386F3935-93C4-4BCD-93E2-E3B085C9AB24}">
-                  <p16:designElem xmlns:p16="http://schemas.microsoft.com/office/powerpoint/2015/main" val="1"/>
-                </p:ext>
-              </p:extLst>
-            </p:nvPr>
-          </p:nvSpPr>
-          <p:spPr>
-            <a:xfrm>
-              <a:off x="1750" y="2895600"/>
-              <a:ext cx="2362200" cy="2362200"/>
-            </a:xfrm>
-            <a:prstGeom prst="ellipse">
-              <a:avLst/>
-            </a:prstGeom>
-            <a:gradFill flip="none" rotWithShape="1">
-              <a:gsLst>
-                <a:gs pos="0">
-                  <a:schemeClr val="bg2">
-                    <a:lumMod val="40000"/>
-                    <a:lumOff val="60000"/>
-                    <a:alpha val="8000"/>
-                  </a:schemeClr>
-                </a:gs>
-                <a:gs pos="72000">
-                  <a:schemeClr val="bg2">
-                    <a:lumMod val="40000"/>
-                    <a:lumOff val="60000"/>
-                    <a:alpha val="0"/>
-                  </a:schemeClr>
-                </a:gs>
-                <a:gs pos="36000">
-                  <a:schemeClr val="bg2">
-                    <a:lumMod val="40000"/>
-                    <a:lumOff val="60000"/>
-                    <a:alpha val="8000"/>
-                  </a:schemeClr>
-                </a:gs>
-              </a:gsLst>
-              <a:path path="circle">
-                <a:fillToRect l="50000" t="50000" r="50000" b="50000"/>
-              </a:path>
-              <a:tileRect/>
-            </a:gradFill>
-            <a:ln>
-              <a:noFill/>
-            </a:ln>
-            <a:effectLst/>
-          </p:spPr>
-          <p:style>
-            <a:lnRef idx="1">
-              <a:schemeClr val="accent1"/>
-            </a:lnRef>
-            <a:fillRef idx="3">
-              <a:schemeClr val="accent1"/>
-            </a:fillRef>
-            <a:effectRef idx="2">
-              <a:schemeClr val="accent1"/>
-            </a:effectRef>
-            <a:fontRef idx="minor">
-              <a:schemeClr val="lt1"/>
-            </a:fontRef>
-          </p:style>
-          <p:txBody>
-            <a:bodyPr/>
-            <a:lstStyle/>
-            <a:p>
-              <a:pPr marL="0" marR="0" lvl="0" indent="0" algn="l" defTabSz="457200" rtl="0" eaLnBrk="1" fontAlgn="auto" latinLnBrk="0" hangingPunct="1">
-                <a:lnSpc>
-                  <a:spcPct val="100000"/>
-                </a:lnSpc>
-                <a:spcBef>
-                  <a:spcPts val="0"/>
-                </a:spcBef>
-                <a:spcAft>
-                  <a:spcPts val="0"/>
-                </a:spcAft>
-                <a:buClrTx/>
-                <a:buSzTx/>
-                <a:buFontTx/>
-                <a:buNone/>
-                <a:tabLst/>
-                <a:defRPr/>
-              </a:pPr>
-              <a:endParaRPr kumimoji="0" lang="en-US" sz="1800" b="0" i="0" u="none" strike="noStrike" kern="1200" cap="none" spc="0" normalizeH="0" baseline="0" noProof="0">
-                <a:ln>
-                  <a:noFill/>
-                </a:ln>
-                <a:solidFill>
-                  <a:prstClr val="white"/>
-                </a:solidFill>
-                <a:effectLst/>
-                <a:uLnTx/>
-                <a:uFillTx/>
-                <a:latin typeface="Century Gothic" panose="020B0502020202020204"/>
-                <a:ea typeface="+mn-ea"/>
-                <a:cs typeface="+mn-cs"/>
-              </a:endParaRPr>
-            </a:p>
-          </p:txBody>
-        </p:sp>
-        <p:sp>
-          <p:nvSpPr>
-            <p:cNvPr id="14" name="Oval 13">
-              <a:extLst>
-                <a:ext uri="{FF2B5EF4-FFF2-40B4-BE49-F238E27FC236}">
-                  <a16:creationId xmlns:a16="http://schemas.microsoft.com/office/drawing/2014/main" id="{BD6109B2-DB31-43CB-950B-AB02BC17CFB0}"/>
-                </a:ext>
-                <a:ext uri="{C183D7F6-B498-43B3-948B-1728B52AA6E4}">
-                  <adec:decorative xmlns:adec="http://schemas.microsoft.com/office/drawing/2017/decorative" val="1"/>
-                </a:ext>
-              </a:extLst>
-            </p:cNvPr>
-            <p:cNvSpPr/>
-            <p:nvPr>
-              <p:extLst>
-                <p:ext uri="{386F3935-93C4-4BCD-93E2-E3B085C9AB24}">
-                  <p16:designElem xmlns:p16="http://schemas.microsoft.com/office/powerpoint/2015/main" val="1"/>
-                </p:ext>
-              </p:extLst>
-            </p:nvPr>
-          </p:nvSpPr>
-          <p:spPr>
-            <a:xfrm>
-              <a:off x="8609012" y="1676400"/>
-              <a:ext cx="2819400" cy="2819400"/>
-            </a:xfrm>
-            <a:prstGeom prst="ellipse">
-              <a:avLst/>
-            </a:prstGeom>
-            <a:gradFill flip="none" rotWithShape="1">
-              <a:gsLst>
-                <a:gs pos="0">
-                  <a:schemeClr val="bg2">
-                    <a:lumMod val="40000"/>
-                    <a:lumOff val="60000"/>
-                    <a:alpha val="7000"/>
-                  </a:schemeClr>
-                </a:gs>
-                <a:gs pos="69000">
-                  <a:schemeClr val="bg2">
-                    <a:lumMod val="40000"/>
-                    <a:lumOff val="60000"/>
-                    <a:alpha val="0"/>
-                  </a:schemeClr>
-                </a:gs>
-                <a:gs pos="36000">
-                  <a:schemeClr val="bg2">
-                    <a:lumMod val="40000"/>
-                    <a:lumOff val="60000"/>
-                    <a:alpha val="6000"/>
-                  </a:schemeClr>
-                </a:gs>
-              </a:gsLst>
-              <a:path path="circle">
-                <a:fillToRect l="50000" t="50000" r="50000" b="50000"/>
-              </a:path>
-              <a:tileRect/>
-            </a:gradFill>
-            <a:ln>
-              <a:noFill/>
-            </a:ln>
-            <a:effectLst/>
-          </p:spPr>
-          <p:style>
-            <a:lnRef idx="1">
-              <a:schemeClr val="accent1"/>
-            </a:lnRef>
-            <a:fillRef idx="3">
-              <a:schemeClr val="accent1"/>
-            </a:fillRef>
-            <a:effectRef idx="2">
-              <a:schemeClr val="accent1"/>
-            </a:effectRef>
-            <a:fontRef idx="minor">
-              <a:schemeClr val="lt1"/>
-            </a:fontRef>
-          </p:style>
-          <p:txBody>
-            <a:bodyPr/>
-            <a:lstStyle/>
-            <a:p>
-              <a:pPr marL="0" marR="0" lvl="0" indent="0" algn="l" defTabSz="457200" rtl="0" eaLnBrk="1" fontAlgn="auto" latinLnBrk="0" hangingPunct="1">
-                <a:lnSpc>
-                  <a:spcPct val="100000"/>
-                </a:lnSpc>
-                <a:spcBef>
-                  <a:spcPts val="0"/>
-                </a:spcBef>
-                <a:spcAft>
-                  <a:spcPts val="0"/>
-                </a:spcAft>
-                <a:buClrTx/>
-                <a:buSzTx/>
-                <a:buFontTx/>
-                <a:buNone/>
-                <a:tabLst/>
-                <a:defRPr/>
-              </a:pPr>
-              <a:endParaRPr kumimoji="0" lang="en-US" sz="1800" b="0" i="0" u="none" strike="noStrike" kern="1200" cap="none" spc="0" normalizeH="0" baseline="0" noProof="0">
-                <a:ln>
-                  <a:noFill/>
-                </a:ln>
-                <a:solidFill>
-                  <a:prstClr val="white"/>
-                </a:solidFill>
-                <a:effectLst/>
-                <a:uLnTx/>
-                <a:uFillTx/>
-                <a:latin typeface="Century Gothic" panose="020B0502020202020204"/>
-                <a:ea typeface="+mn-ea"/>
-                <a:cs typeface="+mn-cs"/>
-              </a:endParaRPr>
-            </a:p>
-          </p:txBody>
-        </p:sp>
-        <p:sp>
-          <p:nvSpPr>
-            <p:cNvPr id="15" name="Oval 14">
-              <a:extLst>
-                <a:ext uri="{FF2B5EF4-FFF2-40B4-BE49-F238E27FC236}">
-                  <a16:creationId xmlns:a16="http://schemas.microsoft.com/office/drawing/2014/main" id="{4F4C0381-B807-4F22-9362-4CF1EA4ED64B}"/>
-                </a:ext>
-                <a:ext uri="{C183D7F6-B498-43B3-948B-1728B52AA6E4}">
-                  <adec:decorative xmlns:adec="http://schemas.microsoft.com/office/drawing/2017/decorative" val="1"/>
-                </a:ext>
-              </a:extLst>
-            </p:cNvPr>
-            <p:cNvSpPr/>
-            <p:nvPr>
-              <p:extLst>
-                <p:ext uri="{386F3935-93C4-4BCD-93E2-E3B085C9AB24}">
-                  <p16:designElem xmlns:p16="http://schemas.microsoft.com/office/powerpoint/2015/main" val="1"/>
-                </p:ext>
-              </p:extLst>
-            </p:nvPr>
-          </p:nvSpPr>
-          <p:spPr>
-            <a:xfrm>
-              <a:off x="7999412" y="-2373"/>
-              <a:ext cx="1600200" cy="1600200"/>
-            </a:xfrm>
-            <a:prstGeom prst="ellipse">
-              <a:avLst/>
-            </a:prstGeom>
-            <a:gradFill flip="none" rotWithShape="1">
-              <a:gsLst>
-                <a:gs pos="0">
-                  <a:schemeClr val="bg2">
-                    <a:lumMod val="40000"/>
-                    <a:lumOff val="60000"/>
-                    <a:alpha val="14000"/>
-                  </a:schemeClr>
-                </a:gs>
-                <a:gs pos="73000">
-                  <a:schemeClr val="bg2">
-                    <a:lumMod val="40000"/>
-                    <a:lumOff val="60000"/>
-                    <a:alpha val="0"/>
-                  </a:schemeClr>
-                </a:gs>
-                <a:gs pos="36000">
-                  <a:schemeClr val="bg2">
-                    <a:lumMod val="40000"/>
-                    <a:lumOff val="60000"/>
-                    <a:alpha val="7000"/>
-                  </a:schemeClr>
-                </a:gs>
-              </a:gsLst>
-              <a:path path="circle">
-                <a:fillToRect l="50000" t="50000" r="50000" b="50000"/>
-              </a:path>
-              <a:tileRect/>
-            </a:gradFill>
-            <a:ln>
-              <a:noFill/>
-            </a:ln>
-            <a:effectLst/>
-          </p:spPr>
-          <p:style>
-            <a:lnRef idx="1">
-              <a:schemeClr val="accent1"/>
-            </a:lnRef>
-            <a:fillRef idx="3">
-              <a:schemeClr val="accent1"/>
-            </a:fillRef>
-            <a:effectRef idx="2">
-              <a:schemeClr val="accent1"/>
-            </a:effectRef>
-            <a:fontRef idx="minor">
-              <a:schemeClr val="lt1"/>
-            </a:fontRef>
-          </p:style>
-          <p:txBody>
-            <a:bodyPr/>
-            <a:lstStyle/>
-            <a:p>
-              <a:pPr marL="0" marR="0" lvl="0" indent="0" algn="l" defTabSz="457200" rtl="0" eaLnBrk="1" fontAlgn="auto" latinLnBrk="0" hangingPunct="1">
-                <a:lnSpc>
-                  <a:spcPct val="100000"/>
-                </a:lnSpc>
-                <a:spcBef>
-                  <a:spcPts val="0"/>
-                </a:spcBef>
-                <a:spcAft>
-                  <a:spcPts val="0"/>
-                </a:spcAft>
-                <a:buClrTx/>
-                <a:buSzTx/>
-                <a:buFontTx/>
-                <a:buNone/>
-                <a:tabLst/>
-                <a:defRPr/>
-              </a:pPr>
-              <a:endParaRPr kumimoji="0" lang="en-US" sz="1800" b="0" i="0" u="none" strike="noStrike" kern="1200" cap="none" spc="0" normalizeH="0" baseline="0" noProof="0">
-                <a:ln>
-                  <a:noFill/>
-                </a:ln>
-                <a:solidFill>
-                  <a:prstClr val="white"/>
-                </a:solidFill>
-                <a:effectLst/>
-                <a:uLnTx/>
-                <a:uFillTx/>
-                <a:latin typeface="Century Gothic" panose="020B0502020202020204"/>
-                <a:ea typeface="+mn-ea"/>
-                <a:cs typeface="+mn-cs"/>
-              </a:endParaRPr>
-            </a:p>
-          </p:txBody>
-        </p:sp>
-        <p:sp>
-          <p:nvSpPr>
-            <p:cNvPr id="16" name="Oval 15">
-              <a:extLst>
-                <a:ext uri="{FF2B5EF4-FFF2-40B4-BE49-F238E27FC236}">
-                  <a16:creationId xmlns:a16="http://schemas.microsoft.com/office/drawing/2014/main" id="{32DC58E5-A2AB-4AF3-BFDC-51F45B859101}"/>
-                </a:ext>
-                <a:ext uri="{C183D7F6-B498-43B3-948B-1728B52AA6E4}">
-                  <adec:decorative xmlns:adec="http://schemas.microsoft.com/office/drawing/2017/decorative" val="1"/>
-                </a:ext>
-              </a:extLst>
-            </p:cNvPr>
-            <p:cNvSpPr/>
-            <p:nvPr>
-              <p:extLst>
-                <p:ext uri="{386F3935-93C4-4BCD-93E2-E3B085C9AB24}">
-                  <p16:designElem xmlns:p16="http://schemas.microsoft.com/office/powerpoint/2015/main" val="1"/>
-                </p:ext>
-              </p:extLst>
-            </p:nvPr>
-          </p:nvSpPr>
-          <p:spPr>
-            <a:xfrm>
-              <a:off x="8609012" y="5874054"/>
-              <a:ext cx="990600" cy="990600"/>
-            </a:xfrm>
-            <a:prstGeom prst="ellipse">
-              <a:avLst/>
-            </a:prstGeom>
-            <a:gradFill flip="none" rotWithShape="1">
-              <a:gsLst>
-                <a:gs pos="0">
-                  <a:schemeClr val="bg2">
-                    <a:lumMod val="40000"/>
-                    <a:lumOff val="60000"/>
-                    <a:alpha val="14000"/>
-                  </a:schemeClr>
-                </a:gs>
-                <a:gs pos="66000">
-                  <a:schemeClr val="bg2">
-                    <a:lumMod val="40000"/>
-                    <a:lumOff val="60000"/>
-                    <a:alpha val="0"/>
-                  </a:schemeClr>
-                </a:gs>
-                <a:gs pos="36000">
-                  <a:schemeClr val="bg2">
-                    <a:lumMod val="40000"/>
-                    <a:lumOff val="60000"/>
-                    <a:alpha val="7000"/>
-                  </a:schemeClr>
-                </a:gs>
-              </a:gsLst>
-              <a:path path="circle">
-                <a:fillToRect l="50000" t="50000" r="50000" b="50000"/>
-              </a:path>
-              <a:tileRect/>
-            </a:gradFill>
-            <a:ln>
-              <a:noFill/>
-            </a:ln>
-            <a:effectLst/>
-          </p:spPr>
-          <p:style>
-            <a:lnRef idx="1">
-              <a:schemeClr val="accent1"/>
-            </a:lnRef>
-            <a:fillRef idx="3">
-              <a:schemeClr val="accent1"/>
-            </a:fillRef>
-            <a:effectRef idx="2">
-              <a:schemeClr val="accent1"/>
-            </a:effectRef>
-            <a:fontRef idx="minor">
-              <a:schemeClr val="lt1"/>
-            </a:fontRef>
-          </p:style>
-          <p:txBody>
-            <a:bodyPr/>
-            <a:lstStyle/>
-            <a:p>
-              <a:pPr marL="0" marR="0" lvl="0" indent="0" algn="l" defTabSz="457200" rtl="0" eaLnBrk="1" fontAlgn="auto" latinLnBrk="0" hangingPunct="1">
-                <a:lnSpc>
-                  <a:spcPct val="100000"/>
-                </a:lnSpc>
-                <a:spcBef>
-                  <a:spcPts val="0"/>
-                </a:spcBef>
-                <a:spcAft>
-                  <a:spcPts val="0"/>
-                </a:spcAft>
-                <a:buClrTx/>
-                <a:buSzTx/>
-                <a:buFontTx/>
-                <a:buNone/>
-                <a:tabLst/>
-                <a:defRPr/>
-              </a:pPr>
-              <a:endParaRPr kumimoji="0" lang="en-US" sz="1800" b="0" i="0" u="none" strike="noStrike" kern="1200" cap="none" spc="0" normalizeH="0" baseline="0" noProof="0">
-                <a:ln>
-                  <a:noFill/>
-                </a:ln>
-                <a:solidFill>
-                  <a:prstClr val="white"/>
-                </a:solidFill>
-                <a:effectLst/>
-                <a:uLnTx/>
-                <a:uFillTx/>
-                <a:latin typeface="Century Gothic" panose="020B0502020202020204"/>
-                <a:ea typeface="+mn-ea"/>
-                <a:cs typeface="+mn-cs"/>
-              </a:endParaRPr>
-            </a:p>
-          </p:txBody>
-        </p:sp>
-        <p:sp>
-          <p:nvSpPr>
-            <p:cNvPr id="17" name="Rectangle 16">
-              <a:extLst>
-                <a:ext uri="{FF2B5EF4-FFF2-40B4-BE49-F238E27FC236}">
-                  <a16:creationId xmlns:a16="http://schemas.microsoft.com/office/drawing/2014/main" id="{5A82E722-60BE-4C4A-93FB-ED5C9D25F96B}"/>
-                </a:ext>
-                <a:ext uri="{C183D7F6-B498-43B3-948B-1728B52AA6E4}">
-                  <adec:decorative xmlns:adec="http://schemas.microsoft.com/office/drawing/2017/decorative" val="1"/>
-                </a:ext>
-              </a:extLst>
-            </p:cNvPr>
-            <p:cNvSpPr/>
-            <p:nvPr>
-              <p:extLst>
-                <p:ext uri="{386F3935-93C4-4BCD-93E2-E3B085C9AB24}">
-                  <p16:designElem xmlns:p16="http://schemas.microsoft.com/office/powerpoint/2015/main" val="1"/>
-                </p:ext>
-              </p:extLst>
-            </p:nvPr>
-          </p:nvSpPr>
-          <p:spPr>
-            <a:xfrm>
-              <a:off x="5713412" y="402165"/>
-              <a:ext cx="6055253" cy="6053670"/>
-            </a:xfrm>
-            <a:prstGeom prst="rect">
-              <a:avLst/>
-            </a:prstGeom>
-            <a:solidFill>
-              <a:schemeClr val="bg1"/>
-            </a:solidFill>
-            <a:ln>
-              <a:noFill/>
-            </a:ln>
-            <a:effectLst/>
-          </p:spPr>
-          <p:style>
-            <a:lnRef idx="1">
-              <a:schemeClr val="accent1"/>
-            </a:lnRef>
-            <a:fillRef idx="3">
-              <a:schemeClr val="accent1"/>
-            </a:fillRef>
-            <a:effectRef idx="2">
-              <a:schemeClr val="accent1"/>
-            </a:effectRef>
-            <a:fontRef idx="minor">
-              <a:schemeClr val="lt1"/>
-            </a:fontRef>
-          </p:style>
-          <p:txBody>
-            <a:bodyPr/>
-            <a:lstStyle/>
-            <a:p>
-              <a:pPr marL="0" marR="0" lvl="0" indent="0" algn="l" defTabSz="457200" rtl="0" eaLnBrk="1" fontAlgn="auto" latinLnBrk="0" hangingPunct="1">
-                <a:lnSpc>
-                  <a:spcPct val="100000"/>
-                </a:lnSpc>
-                <a:spcBef>
-                  <a:spcPts val="0"/>
-                </a:spcBef>
-                <a:spcAft>
-                  <a:spcPts val="0"/>
-                </a:spcAft>
-                <a:buClrTx/>
-                <a:buSzTx/>
-                <a:buFontTx/>
-                <a:buNone/>
-                <a:tabLst/>
-                <a:defRPr/>
-              </a:pPr>
-              <a:endParaRPr kumimoji="0" lang="en-US" sz="1800" b="0" i="0" u="none" strike="noStrike" kern="1200" cap="none" spc="0" normalizeH="0" baseline="0" noProof="0">
-                <a:ln>
-                  <a:noFill/>
-                </a:ln>
-                <a:solidFill>
-                  <a:prstClr val="white"/>
-                </a:solidFill>
-                <a:effectLst/>
-                <a:uLnTx/>
-                <a:uFillTx/>
-                <a:latin typeface="Century Gothic" panose="020B0502020202020204"/>
-                <a:ea typeface="+mn-ea"/>
-                <a:cs typeface="+mn-cs"/>
-              </a:endParaRPr>
-            </a:p>
-          </p:txBody>
-        </p:sp>
-        <p:sp>
-          <p:nvSpPr>
-            <p:cNvPr id="18" name="Freeform 5">
-              <a:extLst>
-                <a:ext uri="{FF2B5EF4-FFF2-40B4-BE49-F238E27FC236}">
-                  <a16:creationId xmlns:a16="http://schemas.microsoft.com/office/drawing/2014/main" id="{BD917B57-2D0B-49F7-99D0-3E0D111382C3}"/>
-                </a:ext>
-                <a:ext uri="{C183D7F6-B498-43B3-948B-1728B52AA6E4}">
-                  <adec:decorative xmlns:adec="http://schemas.microsoft.com/office/drawing/2017/decorative" val="1"/>
-                </a:ext>
-              </a:extLst>
-            </p:cNvPr>
-            <p:cNvSpPr/>
-            <p:nvPr>
-              <p:extLst>
-                <p:ext uri="{386F3935-93C4-4BCD-93E2-E3B085C9AB24}">
-                  <p16:designElem xmlns:p16="http://schemas.microsoft.com/office/powerpoint/2015/main" val="1"/>
-                </p:ext>
-              </p:extLst>
-            </p:nvPr>
-          </p:nvSpPr>
-          <p:spPr bwMode="gray">
-            <a:xfrm rot="15922489">
-              <a:off x="3140485" y="1826078"/>
-              <a:ext cx="3299407" cy="440924"/>
-            </a:xfrm>
-            <a:custGeom>
-              <a:avLst/>
-              <a:gdLst/>
-              <a:ahLst/>
-              <a:cxnLst/>
-              <a:rect l="l" t="t" r="r" b="b"/>
-              <a:pathLst>
-                <a:path w="10000" h="5291">
-                  <a:moveTo>
-                    <a:pt x="85" y="2532"/>
-                  </a:moveTo>
-                  <a:cubicBezTo>
-                    <a:pt x="1736" y="3911"/>
-                    <a:pt x="7524" y="5298"/>
-                    <a:pt x="9958" y="5291"/>
-                  </a:cubicBezTo>
-                  <a:cubicBezTo>
-                    <a:pt x="9989" y="1958"/>
-                    <a:pt x="9969" y="3333"/>
-                    <a:pt x="10000" y="0"/>
-                  </a:cubicBezTo>
-                  <a:lnTo>
-                    <a:pt x="10000" y="0"/>
-                  </a:lnTo>
-                  <a:lnTo>
-                    <a:pt x="9667" y="204"/>
-                  </a:lnTo>
-                  <a:lnTo>
-                    <a:pt x="9334" y="400"/>
-                  </a:lnTo>
-                  <a:lnTo>
-                    <a:pt x="9001" y="590"/>
-                  </a:lnTo>
-                  <a:lnTo>
-                    <a:pt x="8667" y="753"/>
-                  </a:lnTo>
-                  <a:lnTo>
-                    <a:pt x="8333" y="917"/>
-                  </a:lnTo>
-                  <a:lnTo>
-                    <a:pt x="7999" y="1071"/>
-                  </a:lnTo>
-                  <a:lnTo>
-                    <a:pt x="7669" y="1202"/>
-                  </a:lnTo>
-                  <a:lnTo>
-                    <a:pt x="7333" y="1325"/>
-                  </a:lnTo>
-                  <a:lnTo>
-                    <a:pt x="7000" y="1440"/>
-                  </a:lnTo>
-                  <a:lnTo>
-                    <a:pt x="6673" y="1538"/>
-                  </a:lnTo>
-                  <a:lnTo>
-                    <a:pt x="6340" y="1636"/>
-                  </a:lnTo>
-                  <a:lnTo>
-                    <a:pt x="6013" y="1719"/>
-                  </a:lnTo>
-                  <a:lnTo>
-                    <a:pt x="5686" y="1784"/>
-                  </a:lnTo>
-                  <a:lnTo>
-                    <a:pt x="5359" y="1850"/>
-                  </a:lnTo>
-                  <a:lnTo>
-                    <a:pt x="5036" y="1906"/>
-                  </a:lnTo>
-                  <a:lnTo>
-                    <a:pt x="4717" y="1948"/>
-                  </a:lnTo>
-                  <a:lnTo>
-                    <a:pt x="4396" y="1980"/>
-                  </a:lnTo>
-                  <a:lnTo>
-                    <a:pt x="4079" y="2013"/>
-                  </a:lnTo>
-                  <a:lnTo>
-                    <a:pt x="3766" y="2029"/>
-                  </a:lnTo>
-                  <a:lnTo>
-                    <a:pt x="3454" y="2046"/>
-                  </a:lnTo>
-                  <a:lnTo>
-                    <a:pt x="3145" y="2053"/>
-                  </a:lnTo>
-                  <a:lnTo>
-                    <a:pt x="2839" y="2046"/>
-                  </a:lnTo>
-                  <a:lnTo>
-                    <a:pt x="2537" y="2046"/>
-                  </a:lnTo>
-                  <a:lnTo>
-                    <a:pt x="2238" y="2029"/>
-                  </a:lnTo>
-                  <a:lnTo>
-                    <a:pt x="1943" y="2004"/>
-                  </a:lnTo>
-                  <a:lnTo>
-                    <a:pt x="1653" y="1980"/>
-                  </a:lnTo>
-                  <a:lnTo>
-                    <a:pt x="1368" y="1955"/>
-                  </a:lnTo>
-                  <a:lnTo>
-                    <a:pt x="1085" y="1915"/>
-                  </a:lnTo>
-                  <a:lnTo>
-                    <a:pt x="806" y="1873"/>
-                  </a:lnTo>
-                  <a:lnTo>
-                    <a:pt x="533" y="1833"/>
-                  </a:lnTo>
-                  <a:lnTo>
-                    <a:pt x="0" y="1726"/>
-                  </a:lnTo>
-                  <a:cubicBezTo>
-                    <a:pt x="28" y="1995"/>
-                    <a:pt x="57" y="2263"/>
-                    <a:pt x="85" y="2532"/>
-                  </a:cubicBezTo>
-                  <a:close/>
-                </a:path>
-              </a:pathLst>
-            </a:custGeom>
-            <a:solidFill>
-              <a:schemeClr val="bg1">
-                <a:alpha val="20000"/>
-              </a:schemeClr>
-            </a:solidFill>
-            <a:ln>
-              <a:noFill/>
-            </a:ln>
-          </p:spPr>
-          <p:txBody>
-            <a:bodyPr/>
-            <a:lstStyle/>
-            <a:p>
-              <a:pPr marL="0" marR="0" lvl="0" indent="0" algn="l" defTabSz="457200" rtl="0" eaLnBrk="1" fontAlgn="auto" latinLnBrk="0" hangingPunct="1">
-                <a:lnSpc>
-                  <a:spcPct val="100000"/>
-                </a:lnSpc>
-                <a:spcBef>
-                  <a:spcPts val="0"/>
-                </a:spcBef>
-                <a:spcAft>
-                  <a:spcPts val="0"/>
-                </a:spcAft>
-                <a:buClrTx/>
-                <a:buSzTx/>
-                <a:buFontTx/>
-                <a:buNone/>
-                <a:tabLst/>
-                <a:defRPr/>
-              </a:pPr>
-              <a:endParaRPr kumimoji="0" lang="en-US" sz="1800" b="0" i="0" u="none" strike="noStrike" kern="1200" cap="none" spc="0" normalizeH="0" baseline="0" noProof="0">
-                <a:ln>
-                  <a:noFill/>
-                </a:ln>
-                <a:solidFill>
-                  <a:prstClr val="black"/>
-                </a:solidFill>
-                <a:effectLst/>
-                <a:uLnTx/>
-                <a:uFillTx/>
-                <a:latin typeface="Century Gothic" panose="020B0502020202020204"/>
-                <a:ea typeface="+mn-ea"/>
-                <a:cs typeface="+mn-cs"/>
-              </a:endParaRPr>
-            </a:p>
-          </p:txBody>
-        </p:sp>
-        <p:sp>
-          <p:nvSpPr>
-            <p:cNvPr id="19" name="Freeform 5">
-              <a:extLst>
-                <a:ext uri="{FF2B5EF4-FFF2-40B4-BE49-F238E27FC236}">
-                  <a16:creationId xmlns:a16="http://schemas.microsoft.com/office/drawing/2014/main" id="{ED29444E-A895-4493-BEBA-CBD61CF471F7}"/>
-                </a:ext>
-                <a:ext uri="{C183D7F6-B498-43B3-948B-1728B52AA6E4}">
-                  <adec:decorative xmlns:adec="http://schemas.microsoft.com/office/drawing/2017/decorative" val="1"/>
-                </a:ext>
-              </a:extLst>
-            </p:cNvPr>
-            <p:cNvSpPr/>
-            <p:nvPr>
-              <p:extLst>
-                <p:ext uri="{386F3935-93C4-4BCD-93E2-E3B085C9AB24}">
-                  <p16:designElem xmlns:p16="http://schemas.microsoft.com/office/powerpoint/2015/main" val="1"/>
-                </p:ext>
-              </p:extLst>
-            </p:nvPr>
-          </p:nvSpPr>
-          <p:spPr bwMode="gray">
-            <a:xfrm rot="16200000">
-              <a:off x="2229377" y="2801721"/>
-              <a:ext cx="6053670" cy="1254558"/>
-            </a:xfrm>
-            <a:custGeom>
-              <a:avLst/>
-              <a:gdLst/>
-              <a:ahLst/>
-              <a:cxnLst/>
-              <a:rect l="l" t="t" r="r" b="b"/>
-              <a:pathLst>
-                <a:path w="10000" h="8000">
-                  <a:moveTo>
-                    <a:pt x="0" y="0"/>
-                  </a:moveTo>
-                  <a:lnTo>
-                    <a:pt x="0" y="7970"/>
-                  </a:lnTo>
-                  <a:lnTo>
-                    <a:pt x="10000" y="8000"/>
-                  </a:lnTo>
-                  <a:lnTo>
-                    <a:pt x="10000" y="7"/>
-                  </a:lnTo>
-                  <a:lnTo>
-                    <a:pt x="10000" y="7"/>
-                  </a:lnTo>
-                  <a:lnTo>
-                    <a:pt x="9773" y="156"/>
-                  </a:lnTo>
-                  <a:lnTo>
-                    <a:pt x="9547" y="298"/>
-                  </a:lnTo>
-                  <a:lnTo>
-                    <a:pt x="9320" y="437"/>
-                  </a:lnTo>
-                  <a:lnTo>
-                    <a:pt x="9092" y="556"/>
-                  </a:lnTo>
-                  <a:lnTo>
-                    <a:pt x="8865" y="676"/>
-                  </a:lnTo>
-                  <a:lnTo>
-                    <a:pt x="8637" y="788"/>
-                  </a:lnTo>
-                  <a:lnTo>
-                    <a:pt x="8412" y="884"/>
-                  </a:lnTo>
-                  <a:lnTo>
-                    <a:pt x="8184" y="975"/>
-                  </a:lnTo>
-                  <a:lnTo>
-                    <a:pt x="7957" y="1058"/>
-                  </a:lnTo>
-                  <a:lnTo>
-                    <a:pt x="7734" y="1130"/>
-                  </a:lnTo>
-                  <a:lnTo>
-                    <a:pt x="7508" y="1202"/>
-                  </a:lnTo>
-                  <a:lnTo>
-                    <a:pt x="7285" y="1262"/>
-                  </a:lnTo>
-                  <a:lnTo>
-                    <a:pt x="7062" y="1309"/>
-                  </a:lnTo>
-                  <a:lnTo>
-                    <a:pt x="6840" y="1358"/>
-                  </a:lnTo>
-                  <a:lnTo>
-                    <a:pt x="6620" y="1399"/>
-                  </a:lnTo>
-                  <a:lnTo>
-                    <a:pt x="6402" y="1428"/>
-                  </a:lnTo>
-                  <a:lnTo>
-                    <a:pt x="6184" y="1453"/>
-                  </a:lnTo>
-                  <a:lnTo>
-                    <a:pt x="5968" y="1477"/>
-                  </a:lnTo>
-                  <a:lnTo>
-                    <a:pt x="5755" y="1488"/>
-                  </a:lnTo>
-                  <a:lnTo>
-                    <a:pt x="5542" y="1500"/>
-                  </a:lnTo>
-                  <a:lnTo>
-                    <a:pt x="5332" y="1506"/>
-                  </a:lnTo>
-                  <a:lnTo>
-                    <a:pt x="5124" y="1500"/>
-                  </a:lnTo>
-                  <a:lnTo>
-                    <a:pt x="4918" y="1500"/>
-                  </a:lnTo>
-                  <a:lnTo>
-                    <a:pt x="4714" y="1488"/>
-                  </a:lnTo>
-                  <a:lnTo>
-                    <a:pt x="4514" y="1470"/>
-                  </a:lnTo>
-                  <a:lnTo>
-                    <a:pt x="4316" y="1453"/>
-                  </a:lnTo>
-                  <a:lnTo>
-                    <a:pt x="4122" y="1434"/>
-                  </a:lnTo>
-                  <a:lnTo>
-                    <a:pt x="3929" y="1405"/>
-                  </a:lnTo>
-                  <a:lnTo>
-                    <a:pt x="3739" y="1374"/>
-                  </a:lnTo>
-                  <a:lnTo>
-                    <a:pt x="3553" y="1346"/>
-                  </a:lnTo>
-                  <a:lnTo>
-                    <a:pt x="3190" y="1267"/>
-                  </a:lnTo>
-                  <a:lnTo>
-                    <a:pt x="2842" y="1183"/>
-                  </a:lnTo>
-                  <a:lnTo>
-                    <a:pt x="2508" y="1095"/>
-                  </a:lnTo>
-                  <a:lnTo>
-                    <a:pt x="2192" y="998"/>
-                  </a:lnTo>
-                  <a:lnTo>
-                    <a:pt x="1890" y="897"/>
-                  </a:lnTo>
-                  <a:lnTo>
-                    <a:pt x="1610" y="788"/>
-                  </a:lnTo>
-                  <a:lnTo>
-                    <a:pt x="1347" y="681"/>
-                  </a:lnTo>
-                  <a:lnTo>
-                    <a:pt x="1105" y="574"/>
-                  </a:lnTo>
-                  <a:lnTo>
-                    <a:pt x="883" y="473"/>
-                  </a:lnTo>
-                  <a:lnTo>
-                    <a:pt x="686" y="377"/>
-                  </a:lnTo>
-                  <a:lnTo>
-                    <a:pt x="508" y="286"/>
-                  </a:lnTo>
-                  <a:lnTo>
-                    <a:pt x="358" y="210"/>
-                  </a:lnTo>
-                  <a:lnTo>
-                    <a:pt x="232" y="138"/>
-                  </a:lnTo>
-                  <a:lnTo>
-                    <a:pt x="59" y="35"/>
-                  </a:lnTo>
-                  <a:lnTo>
-                    <a:pt x="0" y="0"/>
-                  </a:lnTo>
-                  <a:lnTo>
-                    <a:pt x="0" y="0"/>
-                  </a:lnTo>
-                  <a:close/>
-                </a:path>
-              </a:pathLst>
-            </a:custGeom>
-            <a:solidFill>
-              <a:schemeClr val="bg1"/>
-            </a:solidFill>
-            <a:ln>
-              <a:noFill/>
-            </a:ln>
-          </p:spPr>
-          <p:txBody>
-            <a:bodyPr/>
-            <a:lstStyle/>
-            <a:p>
-              <a:pPr marL="0" marR="0" lvl="0" indent="0" algn="l" defTabSz="457200" rtl="0" eaLnBrk="1" fontAlgn="auto" latinLnBrk="0" hangingPunct="1">
-                <a:lnSpc>
-                  <a:spcPct val="100000"/>
-                </a:lnSpc>
-                <a:spcBef>
-                  <a:spcPts val="0"/>
-                </a:spcBef>
-                <a:spcAft>
-                  <a:spcPts val="0"/>
-                </a:spcAft>
-                <a:buClrTx/>
-                <a:buSzTx/>
-                <a:buFontTx/>
-                <a:buNone/>
-                <a:tabLst/>
-                <a:defRPr/>
-              </a:pPr>
-              <a:endParaRPr kumimoji="0" lang="en-US" sz="1800" b="0" i="0" u="none" strike="noStrike" kern="1200" cap="none" spc="0" normalizeH="0" baseline="0" noProof="0">
-                <a:ln>
-                  <a:noFill/>
-                </a:ln>
-                <a:solidFill>
-                  <a:prstClr val="black"/>
-                </a:solidFill>
-                <a:effectLst/>
-                <a:uLnTx/>
-                <a:uFillTx/>
-                <a:latin typeface="Century Gothic" panose="020B0502020202020204"/>
-                <a:ea typeface="+mn-ea"/>
-                <a:cs typeface="+mn-cs"/>
-              </a:endParaRPr>
-            </a:p>
-          </p:txBody>
-        </p:sp>
-        <p:sp>
-          <p:nvSpPr>
-            <p:cNvPr id="20" name="Freeform 5">
-              <a:extLst>
-                <a:ext uri="{FF2B5EF4-FFF2-40B4-BE49-F238E27FC236}">
-                  <a16:creationId xmlns:a16="http://schemas.microsoft.com/office/drawing/2014/main" id="{9237B3E9-B2D7-4C20-930D-6FD74FFB5C17}"/>
-                </a:ext>
-                <a:ext uri="{C183D7F6-B498-43B3-948B-1728B52AA6E4}">
-                  <adec:decorative xmlns:adec="http://schemas.microsoft.com/office/drawing/2017/decorative" val="1"/>
-                </a:ext>
-              </a:extLst>
-            </p:cNvPr>
-            <p:cNvSpPr>
-              <a:spLocks noEditPoints="1"/>
-            </p:cNvSpPr>
-            <p:nvPr>
-              <p:extLst>
-                <p:ext uri="{386F3935-93C4-4BCD-93E2-E3B085C9AB24}">
-                  <p16:designElem xmlns:p16="http://schemas.microsoft.com/office/powerpoint/2015/main" val="1"/>
-                </p:ext>
-              </p:extLst>
-            </p:nvPr>
-          </p:nvSpPr>
-          <p:spPr bwMode="gray">
-            <a:xfrm>
-              <a:off x="0" y="1587"/>
-              <a:ext cx="12192000" cy="6856413"/>
-            </a:xfrm>
-            <a:custGeom>
-              <a:avLst/>
-              <a:gdLst/>
-              <a:ahLst/>
-              <a:cxnLst/>
-              <a:rect l="0" t="0" r="r" b="b"/>
-              <a:pathLst>
-                <a:path w="15356" h="8638">
-                  <a:moveTo>
-                    <a:pt x="0" y="0"/>
-                  </a:moveTo>
-                  <a:lnTo>
-                    <a:pt x="0" y="8638"/>
-                  </a:lnTo>
-                  <a:lnTo>
-                    <a:pt x="15356" y="8638"/>
-                  </a:lnTo>
-                  <a:lnTo>
-                    <a:pt x="15356" y="0"/>
-                  </a:lnTo>
-                  <a:lnTo>
-                    <a:pt x="0" y="0"/>
-                  </a:lnTo>
-                  <a:close/>
-                  <a:moveTo>
-                    <a:pt x="14748" y="8038"/>
-                  </a:moveTo>
-                  <a:lnTo>
-                    <a:pt x="600" y="8038"/>
-                  </a:lnTo>
-                  <a:lnTo>
-                    <a:pt x="600" y="592"/>
-                  </a:lnTo>
-                  <a:lnTo>
-                    <a:pt x="14748" y="592"/>
-                  </a:lnTo>
-                  <a:lnTo>
-                    <a:pt x="14748" y="8038"/>
-                  </a:lnTo>
-                  <a:close/>
-                </a:path>
-              </a:pathLst>
-            </a:custGeom>
-            <a:solidFill>
-              <a:schemeClr val="bg1"/>
-            </a:solidFill>
-            <a:ln>
-              <a:noFill/>
-            </a:ln>
-          </p:spPr>
-          <p:txBody>
-            <a:bodyPr/>
-            <a:lstStyle/>
-            <a:p>
-              <a:pPr marL="0" marR="0" lvl="0" indent="0" algn="l" defTabSz="457200" rtl="0" eaLnBrk="1" fontAlgn="auto" latinLnBrk="0" hangingPunct="1">
-                <a:lnSpc>
-                  <a:spcPct val="100000"/>
-                </a:lnSpc>
-                <a:spcBef>
-                  <a:spcPts val="0"/>
-                </a:spcBef>
-                <a:spcAft>
-                  <a:spcPts val="0"/>
-                </a:spcAft>
-                <a:buClrTx/>
-                <a:buSzTx/>
-                <a:buFontTx/>
-                <a:buNone/>
-                <a:tabLst/>
-                <a:defRPr/>
-              </a:pPr>
-              <a:endParaRPr kumimoji="0" lang="en-US" sz="1800" b="0" i="0" u="none" strike="noStrike" kern="1200" cap="none" spc="0" normalizeH="0" baseline="0" noProof="0">
-                <a:ln>
-                  <a:noFill/>
-                </a:ln>
-                <a:solidFill>
-                  <a:prstClr val="black"/>
-                </a:solidFill>
-                <a:effectLst/>
-                <a:uLnTx/>
-                <a:uFillTx/>
-                <a:latin typeface="Century Gothic" panose="020B0502020202020204"/>
-                <a:ea typeface="+mn-ea"/>
-                <a:cs typeface="+mn-cs"/>
-              </a:endParaRPr>
-            </a:p>
-          </p:txBody>
-        </p:sp>
-      </p:grpSp>
-      <p:sp>
-        <p:nvSpPr>
-          <p:cNvPr id="2" name="Title 1">
-            <a:extLst>
-              <a:ext uri="{FF2B5EF4-FFF2-40B4-BE49-F238E27FC236}">
-                <a16:creationId xmlns:a16="http://schemas.microsoft.com/office/drawing/2014/main" id="{E236C010-55AE-6E3D-3D11-6289BF474932}"/>
-              </a:ext>
-            </a:extLst>
-          </p:cNvPr>
-          <p:cNvSpPr>
-            <a:spLocks noGrp="1"/>
-          </p:cNvSpPr>
-          <p:nvPr>
-            <p:ph type="title"/>
-          </p:nvPr>
-        </p:nvSpPr>
-        <p:spPr>
-          <a:xfrm>
-            <a:off x="994087" y="1130603"/>
-            <a:ext cx="3342442" cy="4596794"/>
-          </a:xfrm>
-        </p:spPr>
-        <p:txBody>
-          <a:bodyPr anchor="ctr">
-            <a:normAutofit/>
-          </a:bodyPr>
-          <a:lstStyle/>
-          <a:p>
-            <a:r>
-              <a:rPr lang="en-US" sz="4800" dirty="0">
-                <a:solidFill>
-                  <a:srgbClr val="EBEBEB"/>
-                </a:solidFill>
-              </a:rPr>
-              <a:t>Consists of three separate pieces</a:t>
-            </a:r>
-          </a:p>
-        </p:txBody>
-      </p:sp>
-      <p:sp>
-        <p:nvSpPr>
-          <p:cNvPr id="3" name="Content Placeholder 2">
-            <a:extLst>
-              <a:ext uri="{FF2B5EF4-FFF2-40B4-BE49-F238E27FC236}">
-                <a16:creationId xmlns:a16="http://schemas.microsoft.com/office/drawing/2014/main" id="{C3EBDA7B-AC9D-E6BC-8D18-A75F42926969}"/>
-              </a:ext>
-            </a:extLst>
-          </p:cNvPr>
-          <p:cNvSpPr>
-            <a:spLocks noGrp="1"/>
-          </p:cNvSpPr>
-          <p:nvPr>
-            <p:ph idx="1"/>
-          </p:nvPr>
-        </p:nvSpPr>
-        <p:spPr>
-          <a:xfrm>
-            <a:off x="5290077" y="437513"/>
-            <a:ext cx="5502614" cy="5954325"/>
-          </a:xfrm>
-        </p:spPr>
-        <p:txBody>
-          <a:bodyPr anchor="ctr">
-            <a:normAutofit/>
-          </a:bodyPr>
-          <a:lstStyle/>
-          <a:p>
-            <a:endParaRPr lang="en-US" sz="2000" dirty="0"/>
-          </a:p>
-        </p:txBody>
-      </p:sp>
-    </p:spTree>
-    <p:extLst>
-      <p:ext uri="{BB962C8B-B14F-4D97-AF65-F5344CB8AC3E}">
-        <p14:creationId xmlns:p14="http://schemas.microsoft.com/office/powerpoint/2010/main" val="2326400802"/>
-      </p:ext>
-    </p:extLst>
-  </p:cSld>
-  <p:clrMapOvr>
-    <a:masterClrMapping/>
-  </p:clrMapOvr>
-</p:sld>
-</file>
-
-<file path=ppt/slides/slide9.xml><?xml version="1.0" encoding="utf-8"?>
-<p:sld xmlns:a="http://schemas.openxmlformats.org/drawingml/2006/main" xmlns:r="http://schemas.openxmlformats.org/officeDocument/2006/relationships" xmlns:p="http://schemas.openxmlformats.org/presentationml/2006/main">
-  <p:cSld>
-    <p:bg>
-      <p:bgPr>
-        <a:solidFill>
-          <a:schemeClr val="bg1"/>
-        </a:solidFill>
-        <a:effectLst/>
-      </p:bgPr>
-    </p:bg>
-    <p:spTree>
-      <p:nvGrpSpPr>
-        <p:cNvPr id="1" name=""/>
-        <p:cNvGrpSpPr/>
-        <p:nvPr/>
-      </p:nvGrpSpPr>
-      <p:grpSpPr>
-        <a:xfrm>
-          <a:off x="0" y="0"/>
-          <a:ext cx="0" cy="0"/>
-          <a:chOff x="0" y="0"/>
-          <a:chExt cx="0" cy="0"/>
-        </a:xfrm>
-      </p:grpSpPr>
-      <p:sp useBgFill="1">
-        <p:nvSpPr>
-          <p:cNvPr id="8" name="Rectangle 7">
-            <a:extLst>
-              <a:ext uri="{FF2B5EF4-FFF2-40B4-BE49-F238E27FC236}">
-                <a16:creationId xmlns:a16="http://schemas.microsoft.com/office/drawing/2014/main" id="{324E43EB-867C-4B35-9A5C-E435157C7297}"/>
-              </a:ext>
-              <a:ext uri="{C183D7F6-B498-43B3-948B-1728B52AA6E4}">
-                <adec:decorative xmlns:adec="http://schemas.microsoft.com/office/drawing/2017/decorative" val="1"/>
-              </a:ext>
-            </a:extLst>
-          </p:cNvPr>
-          <p:cNvSpPr>
-            <a:spLocks noGrp="1" noRot="1" noChangeAspect="1" noMove="1" noResize="1" noEditPoints="1" noAdjustHandles="1" noChangeArrowheads="1" noChangeShapeType="1" noTextEdit="1"/>
-          </p:cNvSpPr>
-          <p:nvPr>
-            <p:extLst>
-              <p:ext uri="{386F3935-93C4-4BCD-93E2-E3B085C9AB24}">
-                <p16:designElem xmlns:p16="http://schemas.microsoft.com/office/powerpoint/2015/main" val="1"/>
-              </p:ext>
-            </p:extLst>
-          </p:nvPr>
-        </p:nvSpPr>
-        <p:spPr>
-          <a:xfrm>
-            <a:off x="0" y="0"/>
-            <a:ext cx="12192000" cy="6858000"/>
-          </a:xfrm>
-          <a:prstGeom prst="rect">
-            <a:avLst/>
-          </a:prstGeom>
-          <a:ln>
-            <a:noFill/>
-          </a:ln>
-        </p:spPr>
-        <p:style>
-          <a:lnRef idx="2">
-            <a:schemeClr val="accent1">
-              <a:shade val="50000"/>
-            </a:schemeClr>
-          </a:lnRef>
-          <a:fillRef idx="1">
-            <a:schemeClr val="accent1"/>
-          </a:fillRef>
-          <a:effectRef idx="0">
-            <a:schemeClr val="accent1"/>
-          </a:effectRef>
-          <a:fontRef idx="minor">
-            <a:schemeClr val="lt1"/>
-          </a:fontRef>
-        </p:style>
-        <p:txBody>
-          <a:bodyPr rtlCol="0" anchor="ctr"/>
-          <a:lstStyle/>
-          <a:p>
-            <a:pPr marL="0" marR="0" lvl="0" indent="0" algn="ctr" defTabSz="457200" rtl="0" eaLnBrk="1" fontAlgn="auto" latinLnBrk="0" hangingPunct="1">
-              <a:lnSpc>
-                <a:spcPct val="100000"/>
-              </a:lnSpc>
-              <a:spcBef>
-                <a:spcPts val="0"/>
-              </a:spcBef>
-              <a:spcAft>
-                <a:spcPts val="0"/>
-              </a:spcAft>
-              <a:buClrTx/>
-              <a:buSzTx/>
-              <a:buFontTx/>
-              <a:buNone/>
-              <a:tabLst/>
-              <a:defRPr/>
-            </a:pPr>
-            <a:endParaRPr kumimoji="0" lang="en-US" sz="1800" b="0" i="0" u="none" strike="noStrike" kern="1200" cap="none" spc="0" normalizeH="0" baseline="0" noProof="0">
-              <a:ln>
-                <a:noFill/>
-              </a:ln>
-              <a:solidFill>
-                <a:prstClr val="white"/>
-              </a:solidFill>
-              <a:effectLst/>
-              <a:uLnTx/>
-              <a:uFillTx/>
-              <a:latin typeface="Century Gothic" panose="020B0502020202020204"/>
-              <a:ea typeface="+mn-ea"/>
-              <a:cs typeface="+mn-cs"/>
-            </a:endParaRPr>
-          </a:p>
-        </p:txBody>
-      </p:sp>
-      <p:grpSp>
-        <p:nvGrpSpPr>
-          <p:cNvPr id="10" name="Group 9">
-            <a:extLst>
-              <a:ext uri="{FF2B5EF4-FFF2-40B4-BE49-F238E27FC236}">
-                <a16:creationId xmlns:a16="http://schemas.microsoft.com/office/drawing/2014/main" id="{01B1A260-8A72-4E08-82CC-DB3DB0A49F35}"/>
-              </a:ext>
-              <a:ext uri="{C183D7F6-B498-43B3-948B-1728B52AA6E4}">
-                <adec:decorative xmlns:adec="http://schemas.microsoft.com/office/drawing/2017/decorative" val="1"/>
-              </a:ext>
-            </a:extLst>
-          </p:cNvPr>
-          <p:cNvGrpSpPr>
-            <a:grpSpLocks noGrp="1" noUngrp="1" noRot="1" noChangeAspect="1" noMove="1" noResize="1"/>
-          </p:cNvGrpSpPr>
-          <p:nvPr>
-            <p:extLst>
-              <p:ext uri="{386F3935-93C4-4BCD-93E2-E3B085C9AB24}">
-                <p16:designElem xmlns:p16="http://schemas.microsoft.com/office/powerpoint/2015/main" val="1"/>
-              </p:ext>
-            </p:extLst>
-          </p:nvPr>
-        </p:nvGrpSpPr>
-        <p:grpSpPr>
-          <a:xfrm>
-            <a:off x="0" y="-2373"/>
-            <a:ext cx="12192000" cy="6867027"/>
-            <a:chOff x="0" y="-2373"/>
-            <a:chExt cx="12192000" cy="6867027"/>
-          </a:xfrm>
-        </p:grpSpPr>
-        <p:sp>
-          <p:nvSpPr>
-            <p:cNvPr id="11" name="Rectangle 10">
-              <a:extLst>
-                <a:ext uri="{FF2B5EF4-FFF2-40B4-BE49-F238E27FC236}">
-                  <a16:creationId xmlns:a16="http://schemas.microsoft.com/office/drawing/2014/main" id="{F5EE446B-EFB2-4F6A-AC6E-936E92DB5C2F}"/>
-                </a:ext>
-                <a:ext uri="{C183D7F6-B498-43B3-948B-1728B52AA6E4}">
-                  <adec:decorative xmlns:adec="http://schemas.microsoft.com/office/drawing/2017/decorative" val="1"/>
-                </a:ext>
-              </a:extLst>
-            </p:cNvPr>
-            <p:cNvSpPr/>
-            <p:nvPr>
-              <p:extLst>
-                <p:ext uri="{386F3935-93C4-4BCD-93E2-E3B085C9AB24}">
-                  <p16:designElem xmlns:p16="http://schemas.microsoft.com/office/powerpoint/2015/main" val="1"/>
-                </p:ext>
-              </p:extLst>
-            </p:nvPr>
-          </p:nvSpPr>
-          <p:spPr>
-            <a:xfrm>
-              <a:off x="0" y="0"/>
-              <a:ext cx="12192000" cy="6858000"/>
-            </a:xfrm>
-            <a:prstGeom prst="rect">
-              <a:avLst/>
-            </a:prstGeom>
-            <a:blipFill>
-              <a:blip r:embed="rId2">
-                <a:duotone>
-                  <a:schemeClr val="dk2">
-                    <a:shade val="62000"/>
-                    <a:hueMod val="108000"/>
-                    <a:satMod val="164000"/>
-                    <a:lumMod val="69000"/>
-                  </a:schemeClr>
-                  <a:schemeClr val="dk2">
-                    <a:tint val="96000"/>
-                    <a:hueMod val="90000"/>
-                    <a:satMod val="130000"/>
-                    <a:lumMod val="134000"/>
-                  </a:schemeClr>
-                </a:duotone>
-              </a:blip>
-              <a:stretch>
-                <a:fillRect/>
-              </a:stretch>
-            </a:blipFill>
-            <a:ln>
-              <a:noFill/>
-            </a:ln>
-          </p:spPr>
-          <p:style>
-            <a:lnRef idx="2">
-              <a:schemeClr val="accent1">
-                <a:shade val="50000"/>
-              </a:schemeClr>
-            </a:lnRef>
-            <a:fillRef idx="1">
-              <a:schemeClr val="accent1"/>
-            </a:fillRef>
-            <a:effectRef idx="0">
-              <a:schemeClr val="accent1"/>
-            </a:effectRef>
-            <a:fontRef idx="minor">
-              <a:schemeClr val="lt1"/>
-            </a:fontRef>
-          </p:style>
-          <p:txBody>
-            <a:bodyPr/>
-            <a:lstStyle/>
-            <a:p>
-              <a:pPr marL="0" marR="0" lvl="0" indent="0" algn="l" defTabSz="457200" rtl="0" eaLnBrk="1" fontAlgn="auto" latinLnBrk="0" hangingPunct="1">
-                <a:lnSpc>
-                  <a:spcPct val="100000"/>
-                </a:lnSpc>
-                <a:spcBef>
-                  <a:spcPts val="0"/>
-                </a:spcBef>
-                <a:spcAft>
-                  <a:spcPts val="0"/>
-                </a:spcAft>
-                <a:buClrTx/>
-                <a:buSzTx/>
-                <a:buFontTx/>
-                <a:buNone/>
-                <a:tabLst/>
-                <a:defRPr/>
-              </a:pPr>
-              <a:endParaRPr kumimoji="0" lang="en-US" sz="1800" b="0" i="0" u="none" strike="noStrike" kern="1200" cap="none" spc="0" normalizeH="0" baseline="0" noProof="0">
-                <a:ln>
-                  <a:noFill/>
-                </a:ln>
-                <a:solidFill>
-                  <a:prstClr val="white"/>
-                </a:solidFill>
-                <a:effectLst/>
-                <a:uLnTx/>
-                <a:uFillTx/>
-                <a:latin typeface="Century Gothic" panose="020B0502020202020204"/>
-                <a:ea typeface="+mn-ea"/>
-                <a:cs typeface="+mn-cs"/>
-              </a:endParaRPr>
-            </a:p>
-          </p:txBody>
-        </p:sp>
-        <p:sp>
-          <p:nvSpPr>
-            <p:cNvPr id="12" name="Oval 11">
-              <a:extLst>
-                <a:ext uri="{FF2B5EF4-FFF2-40B4-BE49-F238E27FC236}">
-                  <a16:creationId xmlns:a16="http://schemas.microsoft.com/office/drawing/2014/main" id="{3483BA79-FCF5-4852-AF0E-CA634727E348}"/>
-                </a:ext>
-                <a:ext uri="{C183D7F6-B498-43B3-948B-1728B52AA6E4}">
-                  <adec:decorative xmlns:adec="http://schemas.microsoft.com/office/drawing/2017/decorative" val="1"/>
-                </a:ext>
-              </a:extLst>
-            </p:cNvPr>
-            <p:cNvSpPr/>
-            <p:nvPr>
-              <p:extLst>
-                <p:ext uri="{386F3935-93C4-4BCD-93E2-E3B085C9AB24}">
-                  <p16:designElem xmlns:p16="http://schemas.microsoft.com/office/powerpoint/2015/main" val="1"/>
-                </p:ext>
-              </p:extLst>
-            </p:nvPr>
-          </p:nvSpPr>
-          <p:spPr>
-            <a:xfrm>
-              <a:off x="3220" y="2667000"/>
-              <a:ext cx="4191000" cy="4191000"/>
-            </a:xfrm>
-            <a:prstGeom prst="ellipse">
-              <a:avLst/>
-            </a:prstGeom>
-            <a:gradFill flip="none" rotWithShape="1">
-              <a:gsLst>
-                <a:gs pos="0">
-                  <a:schemeClr val="bg2">
-                    <a:lumMod val="40000"/>
-                    <a:lumOff val="60000"/>
-                    <a:alpha val="11000"/>
-                  </a:schemeClr>
-                </a:gs>
-                <a:gs pos="75000">
-                  <a:schemeClr val="bg2">
-                    <a:lumMod val="40000"/>
-                    <a:lumOff val="60000"/>
-                    <a:alpha val="0"/>
-                  </a:schemeClr>
-                </a:gs>
-                <a:gs pos="36000">
-                  <a:schemeClr val="bg2">
-                    <a:lumMod val="40000"/>
-                    <a:lumOff val="60000"/>
-                    <a:alpha val="10000"/>
-                  </a:schemeClr>
-                </a:gs>
-              </a:gsLst>
-              <a:path path="circle">
-                <a:fillToRect l="50000" t="50000" r="50000" b="50000"/>
-              </a:path>
-              <a:tileRect/>
-            </a:gradFill>
-            <a:ln>
-              <a:noFill/>
-            </a:ln>
-            <a:effectLst/>
-          </p:spPr>
-          <p:style>
-            <a:lnRef idx="1">
-              <a:schemeClr val="accent1"/>
-            </a:lnRef>
-            <a:fillRef idx="3">
-              <a:schemeClr val="accent1"/>
-            </a:fillRef>
-            <a:effectRef idx="2">
-              <a:schemeClr val="accent1"/>
-            </a:effectRef>
-            <a:fontRef idx="minor">
-              <a:schemeClr val="lt1"/>
-            </a:fontRef>
-          </p:style>
-          <p:txBody>
-            <a:bodyPr/>
-            <a:lstStyle/>
-            <a:p>
-              <a:pPr marL="0" marR="0" lvl="0" indent="0" algn="l" defTabSz="457200" rtl="0" eaLnBrk="1" fontAlgn="auto" latinLnBrk="0" hangingPunct="1">
-                <a:lnSpc>
-                  <a:spcPct val="100000"/>
-                </a:lnSpc>
-                <a:spcBef>
-                  <a:spcPts val="0"/>
-                </a:spcBef>
-                <a:spcAft>
-                  <a:spcPts val="0"/>
-                </a:spcAft>
-                <a:buClrTx/>
-                <a:buSzTx/>
-                <a:buFontTx/>
-                <a:buNone/>
-                <a:tabLst/>
-                <a:defRPr/>
-              </a:pPr>
-              <a:endParaRPr kumimoji="0" lang="en-US" sz="1800" b="0" i="0" u="none" strike="noStrike" kern="1200" cap="none" spc="0" normalizeH="0" baseline="0" noProof="0">
-                <a:ln>
-                  <a:noFill/>
-                </a:ln>
-                <a:solidFill>
-                  <a:prstClr val="white"/>
-                </a:solidFill>
-                <a:effectLst/>
-                <a:uLnTx/>
-                <a:uFillTx/>
-                <a:latin typeface="Century Gothic" panose="020B0502020202020204"/>
-                <a:ea typeface="+mn-ea"/>
-                <a:cs typeface="+mn-cs"/>
-              </a:endParaRPr>
-            </a:p>
-          </p:txBody>
-        </p:sp>
-        <p:sp>
-          <p:nvSpPr>
-            <p:cNvPr id="13" name="Oval 12">
-              <a:extLst>
-                <a:ext uri="{FF2B5EF4-FFF2-40B4-BE49-F238E27FC236}">
-                  <a16:creationId xmlns:a16="http://schemas.microsoft.com/office/drawing/2014/main" id="{A2630BA5-8A74-4D0A-BB80-42BB6E2D0CFD}"/>
-                </a:ext>
-                <a:ext uri="{C183D7F6-B498-43B3-948B-1728B52AA6E4}">
-                  <adec:decorative xmlns:adec="http://schemas.microsoft.com/office/drawing/2017/decorative" val="1"/>
-                </a:ext>
-              </a:extLst>
-            </p:cNvPr>
-            <p:cNvSpPr/>
-            <p:nvPr>
-              <p:extLst>
-                <p:ext uri="{386F3935-93C4-4BCD-93E2-E3B085C9AB24}">
-                  <p16:designElem xmlns:p16="http://schemas.microsoft.com/office/powerpoint/2015/main" val="1"/>
-                </p:ext>
-              </p:extLst>
-            </p:nvPr>
-          </p:nvSpPr>
-          <p:spPr>
-            <a:xfrm>
-              <a:off x="1750" y="2895600"/>
-              <a:ext cx="2362200" cy="2362200"/>
-            </a:xfrm>
-            <a:prstGeom prst="ellipse">
-              <a:avLst/>
-            </a:prstGeom>
-            <a:gradFill flip="none" rotWithShape="1">
-              <a:gsLst>
-                <a:gs pos="0">
-                  <a:schemeClr val="bg2">
-                    <a:lumMod val="40000"/>
-                    <a:lumOff val="60000"/>
-                    <a:alpha val="8000"/>
-                  </a:schemeClr>
-                </a:gs>
-                <a:gs pos="72000">
-                  <a:schemeClr val="bg2">
-                    <a:lumMod val="40000"/>
-                    <a:lumOff val="60000"/>
-                    <a:alpha val="0"/>
-                  </a:schemeClr>
-                </a:gs>
-                <a:gs pos="36000">
-                  <a:schemeClr val="bg2">
-                    <a:lumMod val="40000"/>
-                    <a:lumOff val="60000"/>
-                    <a:alpha val="8000"/>
-                  </a:schemeClr>
-                </a:gs>
-              </a:gsLst>
-              <a:path path="circle">
-                <a:fillToRect l="50000" t="50000" r="50000" b="50000"/>
-              </a:path>
-              <a:tileRect/>
-            </a:gradFill>
-            <a:ln>
-              <a:noFill/>
-            </a:ln>
-            <a:effectLst/>
-          </p:spPr>
-          <p:style>
-            <a:lnRef idx="1">
-              <a:schemeClr val="accent1"/>
-            </a:lnRef>
-            <a:fillRef idx="3">
-              <a:schemeClr val="accent1"/>
-            </a:fillRef>
-            <a:effectRef idx="2">
-              <a:schemeClr val="accent1"/>
-            </a:effectRef>
-            <a:fontRef idx="minor">
-              <a:schemeClr val="lt1"/>
-            </a:fontRef>
-          </p:style>
-          <p:txBody>
-            <a:bodyPr/>
-            <a:lstStyle/>
-            <a:p>
-              <a:pPr marL="0" marR="0" lvl="0" indent="0" algn="l" defTabSz="457200" rtl="0" eaLnBrk="1" fontAlgn="auto" latinLnBrk="0" hangingPunct="1">
-                <a:lnSpc>
-                  <a:spcPct val="100000"/>
-                </a:lnSpc>
-                <a:spcBef>
-                  <a:spcPts val="0"/>
-                </a:spcBef>
-                <a:spcAft>
-                  <a:spcPts val="0"/>
-                </a:spcAft>
-                <a:buClrTx/>
-                <a:buSzTx/>
-                <a:buFontTx/>
-                <a:buNone/>
-                <a:tabLst/>
-                <a:defRPr/>
-              </a:pPr>
-              <a:endParaRPr kumimoji="0" lang="en-US" sz="1800" b="0" i="0" u="none" strike="noStrike" kern="1200" cap="none" spc="0" normalizeH="0" baseline="0" noProof="0">
-                <a:ln>
-                  <a:noFill/>
-                </a:ln>
-                <a:solidFill>
-                  <a:prstClr val="white"/>
-                </a:solidFill>
-                <a:effectLst/>
-                <a:uLnTx/>
-                <a:uFillTx/>
-                <a:latin typeface="Century Gothic" panose="020B0502020202020204"/>
-                <a:ea typeface="+mn-ea"/>
-                <a:cs typeface="+mn-cs"/>
-              </a:endParaRPr>
-            </a:p>
-          </p:txBody>
-        </p:sp>
-        <p:sp>
-          <p:nvSpPr>
-            <p:cNvPr id="14" name="Oval 13">
-              <a:extLst>
-                <a:ext uri="{FF2B5EF4-FFF2-40B4-BE49-F238E27FC236}">
-                  <a16:creationId xmlns:a16="http://schemas.microsoft.com/office/drawing/2014/main" id="{BD6109B2-DB31-43CB-950B-AB02BC17CFB0}"/>
-                </a:ext>
-                <a:ext uri="{C183D7F6-B498-43B3-948B-1728B52AA6E4}">
-                  <adec:decorative xmlns:adec="http://schemas.microsoft.com/office/drawing/2017/decorative" val="1"/>
-                </a:ext>
-              </a:extLst>
-            </p:cNvPr>
-            <p:cNvSpPr/>
-            <p:nvPr>
-              <p:extLst>
-                <p:ext uri="{386F3935-93C4-4BCD-93E2-E3B085C9AB24}">
-                  <p16:designElem xmlns:p16="http://schemas.microsoft.com/office/powerpoint/2015/main" val="1"/>
-                </p:ext>
-              </p:extLst>
-            </p:nvPr>
-          </p:nvSpPr>
-          <p:spPr>
-            <a:xfrm>
-              <a:off x="8609012" y="1676400"/>
-              <a:ext cx="2819400" cy="2819400"/>
-            </a:xfrm>
-            <a:prstGeom prst="ellipse">
-              <a:avLst/>
-            </a:prstGeom>
-            <a:gradFill flip="none" rotWithShape="1">
-              <a:gsLst>
-                <a:gs pos="0">
-                  <a:schemeClr val="bg2">
-                    <a:lumMod val="40000"/>
-                    <a:lumOff val="60000"/>
-                    <a:alpha val="7000"/>
-                  </a:schemeClr>
-                </a:gs>
-                <a:gs pos="69000">
-                  <a:schemeClr val="bg2">
-                    <a:lumMod val="40000"/>
-                    <a:lumOff val="60000"/>
-                    <a:alpha val="0"/>
-                  </a:schemeClr>
-                </a:gs>
-                <a:gs pos="36000">
-                  <a:schemeClr val="bg2">
-                    <a:lumMod val="40000"/>
-                    <a:lumOff val="60000"/>
-                    <a:alpha val="6000"/>
-                  </a:schemeClr>
-                </a:gs>
-              </a:gsLst>
-              <a:path path="circle">
-                <a:fillToRect l="50000" t="50000" r="50000" b="50000"/>
-              </a:path>
-              <a:tileRect/>
-            </a:gradFill>
-            <a:ln>
-              <a:noFill/>
-            </a:ln>
-            <a:effectLst/>
-          </p:spPr>
-          <p:style>
-            <a:lnRef idx="1">
-              <a:schemeClr val="accent1"/>
-            </a:lnRef>
-            <a:fillRef idx="3">
-              <a:schemeClr val="accent1"/>
-            </a:fillRef>
-            <a:effectRef idx="2">
-              <a:schemeClr val="accent1"/>
-            </a:effectRef>
-            <a:fontRef idx="minor">
-              <a:schemeClr val="lt1"/>
-            </a:fontRef>
-          </p:style>
-          <p:txBody>
-            <a:bodyPr/>
-            <a:lstStyle/>
-            <a:p>
-              <a:pPr marL="0" marR="0" lvl="0" indent="0" algn="l" defTabSz="457200" rtl="0" eaLnBrk="1" fontAlgn="auto" latinLnBrk="0" hangingPunct="1">
-                <a:lnSpc>
-                  <a:spcPct val="100000"/>
-                </a:lnSpc>
-                <a:spcBef>
-                  <a:spcPts val="0"/>
-                </a:spcBef>
-                <a:spcAft>
-                  <a:spcPts val="0"/>
-                </a:spcAft>
-                <a:buClrTx/>
-                <a:buSzTx/>
-                <a:buFontTx/>
-                <a:buNone/>
-                <a:tabLst/>
-                <a:defRPr/>
-              </a:pPr>
-              <a:endParaRPr kumimoji="0" lang="en-US" sz="1800" b="0" i="0" u="none" strike="noStrike" kern="1200" cap="none" spc="0" normalizeH="0" baseline="0" noProof="0">
-                <a:ln>
-                  <a:noFill/>
-                </a:ln>
-                <a:solidFill>
-                  <a:prstClr val="white"/>
-                </a:solidFill>
-                <a:effectLst/>
-                <a:uLnTx/>
-                <a:uFillTx/>
-                <a:latin typeface="Century Gothic" panose="020B0502020202020204"/>
-                <a:ea typeface="+mn-ea"/>
-                <a:cs typeface="+mn-cs"/>
-              </a:endParaRPr>
-            </a:p>
-          </p:txBody>
-        </p:sp>
-        <p:sp>
-          <p:nvSpPr>
-            <p:cNvPr id="15" name="Oval 14">
-              <a:extLst>
-                <a:ext uri="{FF2B5EF4-FFF2-40B4-BE49-F238E27FC236}">
-                  <a16:creationId xmlns:a16="http://schemas.microsoft.com/office/drawing/2014/main" id="{4F4C0381-B807-4F22-9362-4CF1EA4ED64B}"/>
-                </a:ext>
-                <a:ext uri="{C183D7F6-B498-43B3-948B-1728B52AA6E4}">
-                  <adec:decorative xmlns:adec="http://schemas.microsoft.com/office/drawing/2017/decorative" val="1"/>
-                </a:ext>
-              </a:extLst>
-            </p:cNvPr>
-            <p:cNvSpPr/>
-            <p:nvPr>
-              <p:extLst>
-                <p:ext uri="{386F3935-93C4-4BCD-93E2-E3B085C9AB24}">
-                  <p16:designElem xmlns:p16="http://schemas.microsoft.com/office/powerpoint/2015/main" val="1"/>
-                </p:ext>
-              </p:extLst>
-            </p:nvPr>
-          </p:nvSpPr>
-          <p:spPr>
-            <a:xfrm>
-              <a:off x="7999412" y="-2373"/>
-              <a:ext cx="1600200" cy="1600200"/>
-            </a:xfrm>
-            <a:prstGeom prst="ellipse">
-              <a:avLst/>
-            </a:prstGeom>
-            <a:gradFill flip="none" rotWithShape="1">
-              <a:gsLst>
-                <a:gs pos="0">
-                  <a:schemeClr val="bg2">
-                    <a:lumMod val="40000"/>
-                    <a:lumOff val="60000"/>
-                    <a:alpha val="14000"/>
-                  </a:schemeClr>
-                </a:gs>
-                <a:gs pos="73000">
-                  <a:schemeClr val="bg2">
-                    <a:lumMod val="40000"/>
-                    <a:lumOff val="60000"/>
-                    <a:alpha val="0"/>
-                  </a:schemeClr>
-                </a:gs>
-                <a:gs pos="36000">
-                  <a:schemeClr val="bg2">
-                    <a:lumMod val="40000"/>
-                    <a:lumOff val="60000"/>
-                    <a:alpha val="7000"/>
-                  </a:schemeClr>
-                </a:gs>
-              </a:gsLst>
-              <a:path path="circle">
-                <a:fillToRect l="50000" t="50000" r="50000" b="50000"/>
-              </a:path>
-              <a:tileRect/>
-            </a:gradFill>
-            <a:ln>
-              <a:noFill/>
-            </a:ln>
-            <a:effectLst/>
-          </p:spPr>
-          <p:style>
-            <a:lnRef idx="1">
-              <a:schemeClr val="accent1"/>
-            </a:lnRef>
-            <a:fillRef idx="3">
-              <a:schemeClr val="accent1"/>
-            </a:fillRef>
-            <a:effectRef idx="2">
-              <a:schemeClr val="accent1"/>
-            </a:effectRef>
-            <a:fontRef idx="minor">
-              <a:schemeClr val="lt1"/>
-            </a:fontRef>
-          </p:style>
-          <p:txBody>
-            <a:bodyPr/>
-            <a:lstStyle/>
-            <a:p>
-              <a:pPr marL="0" marR="0" lvl="0" indent="0" algn="l" defTabSz="457200" rtl="0" eaLnBrk="1" fontAlgn="auto" latinLnBrk="0" hangingPunct="1">
-                <a:lnSpc>
-                  <a:spcPct val="100000"/>
-                </a:lnSpc>
-                <a:spcBef>
-                  <a:spcPts val="0"/>
-                </a:spcBef>
-                <a:spcAft>
-                  <a:spcPts val="0"/>
-                </a:spcAft>
-                <a:buClrTx/>
-                <a:buSzTx/>
-                <a:buFontTx/>
-                <a:buNone/>
-                <a:tabLst/>
-                <a:defRPr/>
-              </a:pPr>
-              <a:endParaRPr kumimoji="0" lang="en-US" sz="1800" b="0" i="0" u="none" strike="noStrike" kern="1200" cap="none" spc="0" normalizeH="0" baseline="0" noProof="0">
-                <a:ln>
-                  <a:noFill/>
-                </a:ln>
-                <a:solidFill>
-                  <a:prstClr val="white"/>
-                </a:solidFill>
-                <a:effectLst/>
-                <a:uLnTx/>
-                <a:uFillTx/>
-                <a:latin typeface="Century Gothic" panose="020B0502020202020204"/>
-                <a:ea typeface="+mn-ea"/>
-                <a:cs typeface="+mn-cs"/>
-              </a:endParaRPr>
-            </a:p>
-          </p:txBody>
-        </p:sp>
-        <p:sp>
-          <p:nvSpPr>
-            <p:cNvPr id="16" name="Oval 15">
-              <a:extLst>
-                <a:ext uri="{FF2B5EF4-FFF2-40B4-BE49-F238E27FC236}">
-                  <a16:creationId xmlns:a16="http://schemas.microsoft.com/office/drawing/2014/main" id="{32DC58E5-A2AB-4AF3-BFDC-51F45B859101}"/>
-                </a:ext>
-                <a:ext uri="{C183D7F6-B498-43B3-948B-1728B52AA6E4}">
-                  <adec:decorative xmlns:adec="http://schemas.microsoft.com/office/drawing/2017/decorative" val="1"/>
-                </a:ext>
-              </a:extLst>
-            </p:cNvPr>
-            <p:cNvSpPr/>
-            <p:nvPr>
-              <p:extLst>
-                <p:ext uri="{386F3935-93C4-4BCD-93E2-E3B085C9AB24}">
-                  <p16:designElem xmlns:p16="http://schemas.microsoft.com/office/powerpoint/2015/main" val="1"/>
-                </p:ext>
-              </p:extLst>
-            </p:nvPr>
-          </p:nvSpPr>
-          <p:spPr>
-            <a:xfrm>
-              <a:off x="8609012" y="5874054"/>
-              <a:ext cx="990600" cy="990600"/>
-            </a:xfrm>
-            <a:prstGeom prst="ellipse">
-              <a:avLst/>
-            </a:prstGeom>
-            <a:gradFill flip="none" rotWithShape="1">
-              <a:gsLst>
-                <a:gs pos="0">
-                  <a:schemeClr val="bg2">
-                    <a:lumMod val="40000"/>
-                    <a:lumOff val="60000"/>
-                    <a:alpha val="14000"/>
-                  </a:schemeClr>
-                </a:gs>
-                <a:gs pos="66000">
-                  <a:schemeClr val="bg2">
-                    <a:lumMod val="40000"/>
-                    <a:lumOff val="60000"/>
-                    <a:alpha val="0"/>
-                  </a:schemeClr>
-                </a:gs>
-                <a:gs pos="36000">
-                  <a:schemeClr val="bg2">
-                    <a:lumMod val="40000"/>
-                    <a:lumOff val="60000"/>
-                    <a:alpha val="7000"/>
-                  </a:schemeClr>
-                </a:gs>
-              </a:gsLst>
-              <a:path path="circle">
-                <a:fillToRect l="50000" t="50000" r="50000" b="50000"/>
-              </a:path>
-              <a:tileRect/>
-            </a:gradFill>
-            <a:ln>
-              <a:noFill/>
-            </a:ln>
-            <a:effectLst/>
-          </p:spPr>
-          <p:style>
-            <a:lnRef idx="1">
-              <a:schemeClr val="accent1"/>
-            </a:lnRef>
-            <a:fillRef idx="3">
-              <a:schemeClr val="accent1"/>
-            </a:fillRef>
-            <a:effectRef idx="2">
-              <a:schemeClr val="accent1"/>
-            </a:effectRef>
-            <a:fontRef idx="minor">
-              <a:schemeClr val="lt1"/>
-            </a:fontRef>
-          </p:style>
-          <p:txBody>
-            <a:bodyPr/>
-            <a:lstStyle/>
-            <a:p>
-              <a:pPr marL="0" marR="0" lvl="0" indent="0" algn="l" defTabSz="457200" rtl="0" eaLnBrk="1" fontAlgn="auto" latinLnBrk="0" hangingPunct="1">
-                <a:lnSpc>
-                  <a:spcPct val="100000"/>
-                </a:lnSpc>
-                <a:spcBef>
-                  <a:spcPts val="0"/>
-                </a:spcBef>
-                <a:spcAft>
-                  <a:spcPts val="0"/>
-                </a:spcAft>
-                <a:buClrTx/>
-                <a:buSzTx/>
-                <a:buFontTx/>
-                <a:buNone/>
-                <a:tabLst/>
-                <a:defRPr/>
-              </a:pPr>
-              <a:endParaRPr kumimoji="0" lang="en-US" sz="1800" b="0" i="0" u="none" strike="noStrike" kern="1200" cap="none" spc="0" normalizeH="0" baseline="0" noProof="0">
-                <a:ln>
-                  <a:noFill/>
-                </a:ln>
-                <a:solidFill>
-                  <a:prstClr val="white"/>
-                </a:solidFill>
-                <a:effectLst/>
-                <a:uLnTx/>
-                <a:uFillTx/>
-                <a:latin typeface="Century Gothic" panose="020B0502020202020204"/>
-                <a:ea typeface="+mn-ea"/>
-                <a:cs typeface="+mn-cs"/>
-              </a:endParaRPr>
-            </a:p>
-          </p:txBody>
-        </p:sp>
-        <p:sp>
-          <p:nvSpPr>
-            <p:cNvPr id="17" name="Rectangle 16">
-              <a:extLst>
-                <a:ext uri="{FF2B5EF4-FFF2-40B4-BE49-F238E27FC236}">
-                  <a16:creationId xmlns:a16="http://schemas.microsoft.com/office/drawing/2014/main" id="{5A82E722-60BE-4C4A-93FB-ED5C9D25F96B}"/>
-                </a:ext>
-                <a:ext uri="{C183D7F6-B498-43B3-948B-1728B52AA6E4}">
-                  <adec:decorative xmlns:adec="http://schemas.microsoft.com/office/drawing/2017/decorative" val="1"/>
-                </a:ext>
-              </a:extLst>
-            </p:cNvPr>
-            <p:cNvSpPr/>
-            <p:nvPr>
-              <p:extLst>
-                <p:ext uri="{386F3935-93C4-4BCD-93E2-E3B085C9AB24}">
-                  <p16:designElem xmlns:p16="http://schemas.microsoft.com/office/powerpoint/2015/main" val="1"/>
-                </p:ext>
-              </p:extLst>
-            </p:nvPr>
-          </p:nvSpPr>
-          <p:spPr>
-            <a:xfrm>
-              <a:off x="5713412" y="402165"/>
-              <a:ext cx="6055253" cy="6053670"/>
-            </a:xfrm>
-            <a:prstGeom prst="rect">
-              <a:avLst/>
-            </a:prstGeom>
-            <a:solidFill>
-              <a:schemeClr val="bg1"/>
-            </a:solidFill>
-            <a:ln>
-              <a:noFill/>
-            </a:ln>
-            <a:effectLst/>
-          </p:spPr>
-          <p:style>
-            <a:lnRef idx="1">
-              <a:schemeClr val="accent1"/>
-            </a:lnRef>
-            <a:fillRef idx="3">
-              <a:schemeClr val="accent1"/>
-            </a:fillRef>
-            <a:effectRef idx="2">
-              <a:schemeClr val="accent1"/>
-            </a:effectRef>
-            <a:fontRef idx="minor">
-              <a:schemeClr val="lt1"/>
-            </a:fontRef>
-          </p:style>
-          <p:txBody>
-            <a:bodyPr/>
-            <a:lstStyle/>
-            <a:p>
-              <a:pPr marL="0" marR="0" lvl="0" indent="0" algn="l" defTabSz="457200" rtl="0" eaLnBrk="1" fontAlgn="auto" latinLnBrk="0" hangingPunct="1">
-                <a:lnSpc>
-                  <a:spcPct val="100000"/>
-                </a:lnSpc>
-                <a:spcBef>
-                  <a:spcPts val="0"/>
-                </a:spcBef>
-                <a:spcAft>
-                  <a:spcPts val="0"/>
-                </a:spcAft>
-                <a:buClrTx/>
-                <a:buSzTx/>
-                <a:buFontTx/>
-                <a:buNone/>
-                <a:tabLst/>
-                <a:defRPr/>
-              </a:pPr>
-              <a:endParaRPr kumimoji="0" lang="en-US" sz="1800" b="0" i="0" u="none" strike="noStrike" kern="1200" cap="none" spc="0" normalizeH="0" baseline="0" noProof="0">
-                <a:ln>
-                  <a:noFill/>
-                </a:ln>
-                <a:solidFill>
-                  <a:prstClr val="white"/>
-                </a:solidFill>
-                <a:effectLst/>
-                <a:uLnTx/>
-                <a:uFillTx/>
-                <a:latin typeface="Century Gothic" panose="020B0502020202020204"/>
-                <a:ea typeface="+mn-ea"/>
-                <a:cs typeface="+mn-cs"/>
-              </a:endParaRPr>
-            </a:p>
-          </p:txBody>
-        </p:sp>
-        <p:sp>
-          <p:nvSpPr>
-            <p:cNvPr id="18" name="Freeform 5">
-              <a:extLst>
-                <a:ext uri="{FF2B5EF4-FFF2-40B4-BE49-F238E27FC236}">
-                  <a16:creationId xmlns:a16="http://schemas.microsoft.com/office/drawing/2014/main" id="{BD917B57-2D0B-49F7-99D0-3E0D111382C3}"/>
-                </a:ext>
-                <a:ext uri="{C183D7F6-B498-43B3-948B-1728B52AA6E4}">
-                  <adec:decorative xmlns:adec="http://schemas.microsoft.com/office/drawing/2017/decorative" val="1"/>
-                </a:ext>
-              </a:extLst>
-            </p:cNvPr>
-            <p:cNvSpPr/>
-            <p:nvPr>
-              <p:extLst>
-                <p:ext uri="{386F3935-93C4-4BCD-93E2-E3B085C9AB24}">
-                  <p16:designElem xmlns:p16="http://schemas.microsoft.com/office/powerpoint/2015/main" val="1"/>
-                </p:ext>
-              </p:extLst>
-            </p:nvPr>
-          </p:nvSpPr>
-          <p:spPr bwMode="gray">
-            <a:xfrm rot="15922489">
-              <a:off x="3140485" y="1826078"/>
-              <a:ext cx="3299407" cy="440924"/>
-            </a:xfrm>
-            <a:custGeom>
-              <a:avLst/>
-              <a:gdLst/>
-              <a:ahLst/>
-              <a:cxnLst/>
-              <a:rect l="l" t="t" r="r" b="b"/>
-              <a:pathLst>
-                <a:path w="10000" h="5291">
-                  <a:moveTo>
-                    <a:pt x="85" y="2532"/>
-                  </a:moveTo>
-                  <a:cubicBezTo>
-                    <a:pt x="1736" y="3911"/>
-                    <a:pt x="7524" y="5298"/>
-                    <a:pt x="9958" y="5291"/>
-                  </a:cubicBezTo>
-                  <a:cubicBezTo>
-                    <a:pt x="9989" y="1958"/>
-                    <a:pt x="9969" y="3333"/>
-                    <a:pt x="10000" y="0"/>
-                  </a:cubicBezTo>
-                  <a:lnTo>
-                    <a:pt x="10000" y="0"/>
-                  </a:lnTo>
-                  <a:lnTo>
-                    <a:pt x="9667" y="204"/>
-                  </a:lnTo>
-                  <a:lnTo>
-                    <a:pt x="9334" y="400"/>
-                  </a:lnTo>
-                  <a:lnTo>
-                    <a:pt x="9001" y="590"/>
-                  </a:lnTo>
-                  <a:lnTo>
-                    <a:pt x="8667" y="753"/>
-                  </a:lnTo>
-                  <a:lnTo>
-                    <a:pt x="8333" y="917"/>
-                  </a:lnTo>
-                  <a:lnTo>
-                    <a:pt x="7999" y="1071"/>
-                  </a:lnTo>
-                  <a:lnTo>
-                    <a:pt x="7669" y="1202"/>
-                  </a:lnTo>
-                  <a:lnTo>
-                    <a:pt x="7333" y="1325"/>
-                  </a:lnTo>
-                  <a:lnTo>
-                    <a:pt x="7000" y="1440"/>
-                  </a:lnTo>
-                  <a:lnTo>
-                    <a:pt x="6673" y="1538"/>
-                  </a:lnTo>
-                  <a:lnTo>
-                    <a:pt x="6340" y="1636"/>
-                  </a:lnTo>
-                  <a:lnTo>
-                    <a:pt x="6013" y="1719"/>
-                  </a:lnTo>
-                  <a:lnTo>
-                    <a:pt x="5686" y="1784"/>
-                  </a:lnTo>
-                  <a:lnTo>
-                    <a:pt x="5359" y="1850"/>
-                  </a:lnTo>
-                  <a:lnTo>
-                    <a:pt x="5036" y="1906"/>
-                  </a:lnTo>
-                  <a:lnTo>
-                    <a:pt x="4717" y="1948"/>
-                  </a:lnTo>
-                  <a:lnTo>
-                    <a:pt x="4396" y="1980"/>
-                  </a:lnTo>
-                  <a:lnTo>
-                    <a:pt x="4079" y="2013"/>
-                  </a:lnTo>
-                  <a:lnTo>
-                    <a:pt x="3766" y="2029"/>
-                  </a:lnTo>
-                  <a:lnTo>
-                    <a:pt x="3454" y="2046"/>
-                  </a:lnTo>
-                  <a:lnTo>
-                    <a:pt x="3145" y="2053"/>
-                  </a:lnTo>
-                  <a:lnTo>
-                    <a:pt x="2839" y="2046"/>
-                  </a:lnTo>
-                  <a:lnTo>
-                    <a:pt x="2537" y="2046"/>
-                  </a:lnTo>
-                  <a:lnTo>
-                    <a:pt x="2238" y="2029"/>
-                  </a:lnTo>
-                  <a:lnTo>
-                    <a:pt x="1943" y="2004"/>
-                  </a:lnTo>
-                  <a:lnTo>
-                    <a:pt x="1653" y="1980"/>
-                  </a:lnTo>
-                  <a:lnTo>
-                    <a:pt x="1368" y="1955"/>
-                  </a:lnTo>
-                  <a:lnTo>
-                    <a:pt x="1085" y="1915"/>
-                  </a:lnTo>
-                  <a:lnTo>
-                    <a:pt x="806" y="1873"/>
-                  </a:lnTo>
-                  <a:lnTo>
-                    <a:pt x="533" y="1833"/>
-                  </a:lnTo>
-                  <a:lnTo>
-                    <a:pt x="0" y="1726"/>
-                  </a:lnTo>
-                  <a:cubicBezTo>
-                    <a:pt x="28" y="1995"/>
-                    <a:pt x="57" y="2263"/>
-                    <a:pt x="85" y="2532"/>
-                  </a:cubicBezTo>
-                  <a:close/>
-                </a:path>
-              </a:pathLst>
-            </a:custGeom>
-            <a:solidFill>
-              <a:schemeClr val="bg1">
-                <a:alpha val="20000"/>
-              </a:schemeClr>
-            </a:solidFill>
-            <a:ln>
-              <a:noFill/>
-            </a:ln>
-          </p:spPr>
-          <p:txBody>
-            <a:bodyPr/>
-            <a:lstStyle/>
-            <a:p>
-              <a:pPr marL="0" marR="0" lvl="0" indent="0" algn="l" defTabSz="457200" rtl="0" eaLnBrk="1" fontAlgn="auto" latinLnBrk="0" hangingPunct="1">
-                <a:lnSpc>
-                  <a:spcPct val="100000"/>
-                </a:lnSpc>
-                <a:spcBef>
-                  <a:spcPts val="0"/>
-                </a:spcBef>
-                <a:spcAft>
-                  <a:spcPts val="0"/>
-                </a:spcAft>
-                <a:buClrTx/>
-                <a:buSzTx/>
-                <a:buFontTx/>
-                <a:buNone/>
-                <a:tabLst/>
-                <a:defRPr/>
-              </a:pPr>
-              <a:endParaRPr kumimoji="0" lang="en-US" sz="1800" b="0" i="0" u="none" strike="noStrike" kern="1200" cap="none" spc="0" normalizeH="0" baseline="0" noProof="0">
-                <a:ln>
-                  <a:noFill/>
-                </a:ln>
-                <a:solidFill>
-                  <a:prstClr val="black"/>
-                </a:solidFill>
-                <a:effectLst/>
-                <a:uLnTx/>
-                <a:uFillTx/>
-                <a:latin typeface="Century Gothic" panose="020B0502020202020204"/>
-                <a:ea typeface="+mn-ea"/>
-                <a:cs typeface="+mn-cs"/>
-              </a:endParaRPr>
-            </a:p>
-          </p:txBody>
-        </p:sp>
-        <p:sp>
-          <p:nvSpPr>
-            <p:cNvPr id="19" name="Freeform 5">
-              <a:extLst>
-                <a:ext uri="{FF2B5EF4-FFF2-40B4-BE49-F238E27FC236}">
-                  <a16:creationId xmlns:a16="http://schemas.microsoft.com/office/drawing/2014/main" id="{ED29444E-A895-4493-BEBA-CBD61CF471F7}"/>
-                </a:ext>
-                <a:ext uri="{C183D7F6-B498-43B3-948B-1728B52AA6E4}">
-                  <adec:decorative xmlns:adec="http://schemas.microsoft.com/office/drawing/2017/decorative" val="1"/>
-                </a:ext>
-              </a:extLst>
-            </p:cNvPr>
-            <p:cNvSpPr/>
-            <p:nvPr>
-              <p:extLst>
-                <p:ext uri="{386F3935-93C4-4BCD-93E2-E3B085C9AB24}">
-                  <p16:designElem xmlns:p16="http://schemas.microsoft.com/office/powerpoint/2015/main" val="1"/>
-                </p:ext>
-              </p:extLst>
-            </p:nvPr>
-          </p:nvSpPr>
-          <p:spPr bwMode="gray">
-            <a:xfrm rot="16200000">
-              <a:off x="2229377" y="2801721"/>
-              <a:ext cx="6053670" cy="1254558"/>
-            </a:xfrm>
-            <a:custGeom>
-              <a:avLst/>
-              <a:gdLst/>
-              <a:ahLst/>
-              <a:cxnLst/>
-              <a:rect l="l" t="t" r="r" b="b"/>
-              <a:pathLst>
-                <a:path w="10000" h="8000">
-                  <a:moveTo>
-                    <a:pt x="0" y="0"/>
-                  </a:moveTo>
-                  <a:lnTo>
-                    <a:pt x="0" y="7970"/>
-                  </a:lnTo>
-                  <a:lnTo>
-                    <a:pt x="10000" y="8000"/>
-                  </a:lnTo>
-                  <a:lnTo>
-                    <a:pt x="10000" y="7"/>
-                  </a:lnTo>
-                  <a:lnTo>
-                    <a:pt x="10000" y="7"/>
-                  </a:lnTo>
-                  <a:lnTo>
-                    <a:pt x="9773" y="156"/>
-                  </a:lnTo>
-                  <a:lnTo>
-                    <a:pt x="9547" y="298"/>
-                  </a:lnTo>
-                  <a:lnTo>
-                    <a:pt x="9320" y="437"/>
-                  </a:lnTo>
-                  <a:lnTo>
-                    <a:pt x="9092" y="556"/>
-                  </a:lnTo>
-                  <a:lnTo>
-                    <a:pt x="8865" y="676"/>
-                  </a:lnTo>
-                  <a:lnTo>
-                    <a:pt x="8637" y="788"/>
-                  </a:lnTo>
-                  <a:lnTo>
-                    <a:pt x="8412" y="884"/>
-                  </a:lnTo>
-                  <a:lnTo>
-                    <a:pt x="8184" y="975"/>
-                  </a:lnTo>
-                  <a:lnTo>
-                    <a:pt x="7957" y="1058"/>
-                  </a:lnTo>
-                  <a:lnTo>
-                    <a:pt x="7734" y="1130"/>
-                  </a:lnTo>
-                  <a:lnTo>
-                    <a:pt x="7508" y="1202"/>
-                  </a:lnTo>
-                  <a:lnTo>
-                    <a:pt x="7285" y="1262"/>
-                  </a:lnTo>
-                  <a:lnTo>
-                    <a:pt x="7062" y="1309"/>
-                  </a:lnTo>
-                  <a:lnTo>
-                    <a:pt x="6840" y="1358"/>
-                  </a:lnTo>
-                  <a:lnTo>
-                    <a:pt x="6620" y="1399"/>
-                  </a:lnTo>
-                  <a:lnTo>
-                    <a:pt x="6402" y="1428"/>
-                  </a:lnTo>
-                  <a:lnTo>
-                    <a:pt x="6184" y="1453"/>
-                  </a:lnTo>
-                  <a:lnTo>
-                    <a:pt x="5968" y="1477"/>
-                  </a:lnTo>
-                  <a:lnTo>
-                    <a:pt x="5755" y="1488"/>
-                  </a:lnTo>
-                  <a:lnTo>
-                    <a:pt x="5542" y="1500"/>
-                  </a:lnTo>
-                  <a:lnTo>
-                    <a:pt x="5332" y="1506"/>
-                  </a:lnTo>
-                  <a:lnTo>
-                    <a:pt x="5124" y="1500"/>
-                  </a:lnTo>
-                  <a:lnTo>
-                    <a:pt x="4918" y="1500"/>
-                  </a:lnTo>
-                  <a:lnTo>
-                    <a:pt x="4714" y="1488"/>
-                  </a:lnTo>
-                  <a:lnTo>
-                    <a:pt x="4514" y="1470"/>
-                  </a:lnTo>
-                  <a:lnTo>
-                    <a:pt x="4316" y="1453"/>
-                  </a:lnTo>
-                  <a:lnTo>
-                    <a:pt x="4122" y="1434"/>
-                  </a:lnTo>
-                  <a:lnTo>
-                    <a:pt x="3929" y="1405"/>
-                  </a:lnTo>
-                  <a:lnTo>
-                    <a:pt x="3739" y="1374"/>
-                  </a:lnTo>
-                  <a:lnTo>
-                    <a:pt x="3553" y="1346"/>
-                  </a:lnTo>
-                  <a:lnTo>
-                    <a:pt x="3190" y="1267"/>
-                  </a:lnTo>
-                  <a:lnTo>
-                    <a:pt x="2842" y="1183"/>
-                  </a:lnTo>
-                  <a:lnTo>
-                    <a:pt x="2508" y="1095"/>
-                  </a:lnTo>
-                  <a:lnTo>
-                    <a:pt x="2192" y="998"/>
-                  </a:lnTo>
-                  <a:lnTo>
-                    <a:pt x="1890" y="897"/>
-                  </a:lnTo>
-                  <a:lnTo>
-                    <a:pt x="1610" y="788"/>
-                  </a:lnTo>
-                  <a:lnTo>
-                    <a:pt x="1347" y="681"/>
-                  </a:lnTo>
-                  <a:lnTo>
-                    <a:pt x="1105" y="574"/>
-                  </a:lnTo>
-                  <a:lnTo>
-                    <a:pt x="883" y="473"/>
-                  </a:lnTo>
-                  <a:lnTo>
-                    <a:pt x="686" y="377"/>
-                  </a:lnTo>
-                  <a:lnTo>
-                    <a:pt x="508" y="286"/>
-                  </a:lnTo>
-                  <a:lnTo>
-                    <a:pt x="358" y="210"/>
-                  </a:lnTo>
-                  <a:lnTo>
-                    <a:pt x="232" y="138"/>
-                  </a:lnTo>
-                  <a:lnTo>
-                    <a:pt x="59" y="35"/>
-                  </a:lnTo>
-                  <a:lnTo>
-                    <a:pt x="0" y="0"/>
-                  </a:lnTo>
-                  <a:lnTo>
-                    <a:pt x="0" y="0"/>
-                  </a:lnTo>
-                  <a:close/>
-                </a:path>
-              </a:pathLst>
-            </a:custGeom>
-            <a:solidFill>
-              <a:schemeClr val="bg1"/>
-            </a:solidFill>
-            <a:ln>
-              <a:noFill/>
-            </a:ln>
-          </p:spPr>
-          <p:txBody>
-            <a:bodyPr/>
-            <a:lstStyle/>
-            <a:p>
-              <a:pPr marL="0" marR="0" lvl="0" indent="0" algn="l" defTabSz="457200" rtl="0" eaLnBrk="1" fontAlgn="auto" latinLnBrk="0" hangingPunct="1">
-                <a:lnSpc>
-                  <a:spcPct val="100000"/>
-                </a:lnSpc>
-                <a:spcBef>
-                  <a:spcPts val="0"/>
-                </a:spcBef>
-                <a:spcAft>
-                  <a:spcPts val="0"/>
-                </a:spcAft>
-                <a:buClrTx/>
-                <a:buSzTx/>
-                <a:buFontTx/>
-                <a:buNone/>
-                <a:tabLst/>
-                <a:defRPr/>
-              </a:pPr>
-              <a:endParaRPr kumimoji="0" lang="en-US" sz="1800" b="0" i="0" u="none" strike="noStrike" kern="1200" cap="none" spc="0" normalizeH="0" baseline="0" noProof="0">
-                <a:ln>
-                  <a:noFill/>
-                </a:ln>
-                <a:solidFill>
-                  <a:prstClr val="black"/>
-                </a:solidFill>
-                <a:effectLst/>
-                <a:uLnTx/>
-                <a:uFillTx/>
-                <a:latin typeface="Century Gothic" panose="020B0502020202020204"/>
-                <a:ea typeface="+mn-ea"/>
-                <a:cs typeface="+mn-cs"/>
-              </a:endParaRPr>
-            </a:p>
-          </p:txBody>
-        </p:sp>
-        <p:sp>
-          <p:nvSpPr>
-            <p:cNvPr id="20" name="Freeform 5">
-              <a:extLst>
-                <a:ext uri="{FF2B5EF4-FFF2-40B4-BE49-F238E27FC236}">
-                  <a16:creationId xmlns:a16="http://schemas.microsoft.com/office/drawing/2014/main" id="{9237B3E9-B2D7-4C20-930D-6FD74FFB5C17}"/>
-                </a:ext>
-                <a:ext uri="{C183D7F6-B498-43B3-948B-1728B52AA6E4}">
-                  <adec:decorative xmlns:adec="http://schemas.microsoft.com/office/drawing/2017/decorative" val="1"/>
-                </a:ext>
-              </a:extLst>
-            </p:cNvPr>
-            <p:cNvSpPr>
-              <a:spLocks noEditPoints="1"/>
-            </p:cNvSpPr>
-            <p:nvPr>
-              <p:extLst>
-                <p:ext uri="{386F3935-93C4-4BCD-93E2-E3B085C9AB24}">
-                  <p16:designElem xmlns:p16="http://schemas.microsoft.com/office/powerpoint/2015/main" val="1"/>
-                </p:ext>
-              </p:extLst>
-            </p:nvPr>
-          </p:nvSpPr>
-          <p:spPr bwMode="gray">
-            <a:xfrm>
-              <a:off x="0" y="1587"/>
-              <a:ext cx="12192000" cy="6856413"/>
-            </a:xfrm>
-            <a:custGeom>
-              <a:avLst/>
-              <a:gdLst/>
-              <a:ahLst/>
-              <a:cxnLst/>
-              <a:rect l="0" t="0" r="r" b="b"/>
-              <a:pathLst>
-                <a:path w="15356" h="8638">
-                  <a:moveTo>
-                    <a:pt x="0" y="0"/>
-                  </a:moveTo>
-                  <a:lnTo>
-                    <a:pt x="0" y="8638"/>
-                  </a:lnTo>
-                  <a:lnTo>
-                    <a:pt x="15356" y="8638"/>
-                  </a:lnTo>
-                  <a:lnTo>
-                    <a:pt x="15356" y="0"/>
-                  </a:lnTo>
-                  <a:lnTo>
-                    <a:pt x="0" y="0"/>
-                  </a:lnTo>
-                  <a:close/>
-                  <a:moveTo>
-                    <a:pt x="14748" y="8038"/>
-                  </a:moveTo>
-                  <a:lnTo>
-                    <a:pt x="600" y="8038"/>
-                  </a:lnTo>
-                  <a:lnTo>
-                    <a:pt x="600" y="592"/>
-                  </a:lnTo>
-                  <a:lnTo>
-                    <a:pt x="14748" y="592"/>
-                  </a:lnTo>
-                  <a:lnTo>
-                    <a:pt x="14748" y="8038"/>
-                  </a:lnTo>
-                  <a:close/>
-                </a:path>
-              </a:pathLst>
-            </a:custGeom>
-            <a:solidFill>
-              <a:schemeClr val="bg1"/>
-            </a:solidFill>
-            <a:ln>
-              <a:noFill/>
-            </a:ln>
-          </p:spPr>
-          <p:txBody>
-            <a:bodyPr/>
-            <a:lstStyle/>
-            <a:p>
-              <a:pPr marL="0" marR="0" lvl="0" indent="0" algn="l" defTabSz="457200" rtl="0" eaLnBrk="1" fontAlgn="auto" latinLnBrk="0" hangingPunct="1">
-                <a:lnSpc>
-                  <a:spcPct val="100000"/>
-                </a:lnSpc>
-                <a:spcBef>
-                  <a:spcPts val="0"/>
-                </a:spcBef>
-                <a:spcAft>
-                  <a:spcPts val="0"/>
-                </a:spcAft>
-                <a:buClrTx/>
-                <a:buSzTx/>
-                <a:buFontTx/>
-                <a:buNone/>
-                <a:tabLst/>
-                <a:defRPr/>
-              </a:pPr>
-              <a:endParaRPr kumimoji="0" lang="en-US" sz="1800" b="0" i="0" u="none" strike="noStrike" kern="1200" cap="none" spc="0" normalizeH="0" baseline="0" noProof="0">
-                <a:ln>
-                  <a:noFill/>
-                </a:ln>
-                <a:solidFill>
-                  <a:prstClr val="black"/>
-                </a:solidFill>
-                <a:effectLst/>
-                <a:uLnTx/>
-                <a:uFillTx/>
-                <a:latin typeface="Century Gothic" panose="020B0502020202020204"/>
-                <a:ea typeface="+mn-ea"/>
-                <a:cs typeface="+mn-cs"/>
-              </a:endParaRPr>
-            </a:p>
-          </p:txBody>
-        </p:sp>
-      </p:grpSp>
-      <p:sp>
-        <p:nvSpPr>
-          <p:cNvPr id="2" name="Title 1">
-            <a:extLst>
-              <a:ext uri="{FF2B5EF4-FFF2-40B4-BE49-F238E27FC236}">
-                <a16:creationId xmlns:a16="http://schemas.microsoft.com/office/drawing/2014/main" id="{E236C010-55AE-6E3D-3D11-6289BF474932}"/>
-              </a:ext>
-            </a:extLst>
-          </p:cNvPr>
-          <p:cNvSpPr>
-            <a:spLocks noGrp="1"/>
-          </p:cNvSpPr>
-          <p:nvPr>
-            <p:ph type="title"/>
-          </p:nvPr>
-        </p:nvSpPr>
-        <p:spPr>
-          <a:xfrm>
-            <a:off x="994087" y="1130603"/>
-            <a:ext cx="3342442" cy="4596794"/>
-          </a:xfrm>
-        </p:spPr>
-        <p:txBody>
-          <a:bodyPr anchor="ctr">
-            <a:normAutofit/>
-          </a:bodyPr>
-          <a:lstStyle/>
-          <a:p>
-            <a:r>
-              <a:rPr lang="en-US" sz="4800" dirty="0">
-                <a:solidFill>
-                  <a:srgbClr val="EBEBEB"/>
-                </a:solidFill>
-              </a:rPr>
-              <a:t>Consists of three separate pieces</a:t>
-            </a:r>
-          </a:p>
-        </p:txBody>
-      </p:sp>
-      <p:sp>
-        <p:nvSpPr>
-          <p:cNvPr id="3" name="Content Placeholder 2">
-            <a:extLst>
-              <a:ext uri="{FF2B5EF4-FFF2-40B4-BE49-F238E27FC236}">
-                <a16:creationId xmlns:a16="http://schemas.microsoft.com/office/drawing/2014/main" id="{C3EBDA7B-AC9D-E6BC-8D18-A75F42926969}"/>
-              </a:ext>
-            </a:extLst>
-          </p:cNvPr>
-          <p:cNvSpPr>
-            <a:spLocks noGrp="1"/>
-          </p:cNvSpPr>
-          <p:nvPr>
-            <p:ph idx="1"/>
-          </p:nvPr>
-        </p:nvSpPr>
-        <p:spPr>
-          <a:xfrm>
-            <a:off x="5290077" y="437513"/>
-            <a:ext cx="5502614" cy="5954325"/>
-          </a:xfrm>
-        </p:spPr>
-        <p:txBody>
-          <a:bodyPr anchor="ctr">
-            <a:normAutofit/>
-          </a:bodyPr>
-          <a:lstStyle/>
-          <a:p>
-            <a:endParaRPr lang="en-US" sz="2000" dirty="0"/>
-          </a:p>
-        </p:txBody>
-      </p:sp>
-    </p:spTree>
-    <p:extLst>
-      <p:ext uri="{BB962C8B-B14F-4D97-AF65-F5344CB8AC3E}">
-        <p14:creationId xmlns:p14="http://schemas.microsoft.com/office/powerpoint/2010/main" val="3709028515"/>
-      </p:ext>
-    </p:extLst>
-  </p:cSld>
-  <p:clrMapOvr>
-    <a:masterClrMapping/>
-  </p:clrMapOvr>
 </p:sld>
 </file>
 
